--- a/Lessons/K_Text_Mining_2/A_TM_review.pptx
+++ b/Lessons/K_Text_Mining_2/A_TM_review.pptx
@@ -5,7 +5,7 @@
     <p:sldMasterId id="2147483660" r:id="rId1"/>
   </p:sldMasterIdLst>
   <p:notesMasterIdLst>
-    <p:notesMasterId r:id="rId11"/>
+    <p:notesMasterId r:id="rId10"/>
   </p:notesMasterIdLst>
   <p:sldIdLst>
     <p:sldId id="845" r:id="rId2"/>
@@ -15,8 +15,7 @@
     <p:sldId id="544" r:id="rId6"/>
     <p:sldId id="466" r:id="rId7"/>
     <p:sldId id="477" r:id="rId8"/>
-    <p:sldId id="363" r:id="rId9"/>
-    <p:sldId id="545" r:id="rId10"/>
+    <p:sldId id="545" r:id="rId9"/>
   </p:sldIdLst>
   <p:sldSz cx="9144000" cy="6858000" type="screen4x3"/>
   <p:notesSz cx="7010400" cy="9296400"/>
@@ -216,7 +215,7 @@
           <a:p>
             <a:fld id="{B0C0A60C-850A-4EA4-9C14-A8FE98B94505}" type="datetimeFigureOut">
               <a:rPr lang="en-US" smtClean="0"/>
-              <a:t>11/21/22</a:t>
+              <a:t>11/25/24</a:t>
             </a:fld>
             <a:endParaRPr lang="en-US"/>
           </a:p>
@@ -615,7 +614,7 @@
           <a:p>
             <a:fld id="{5738B90E-0779-4C36-915C-6F05FCD89456}" type="datetime1">
               <a:rPr lang="en-US" smtClean="0"/>
-              <a:t>11/21/22</a:t>
+              <a:t>11/25/24</a:t>
             </a:fld>
             <a:endParaRPr lang="en-US"/>
           </a:p>
@@ -833,7 +832,7 @@
           <a:p>
             <a:fld id="{7B9EA29D-D431-42FE-B7B6-AAE4454C77D3}" type="datetime1">
               <a:rPr lang="en-US" smtClean="0"/>
-              <a:t>11/21/22</a:t>
+              <a:t>11/25/24</a:t>
             </a:fld>
             <a:endParaRPr lang="en-US"/>
           </a:p>
@@ -1093,7 +1092,7 @@
           <a:p>
             <a:fld id="{690D8A1E-EA8F-46C1-B891-AE0C00D9C314}" type="datetime1">
               <a:rPr lang="en-US" smtClean="0"/>
-              <a:t>11/21/22</a:t>
+              <a:t>11/25/24</a:t>
             </a:fld>
             <a:endParaRPr lang="en-US"/>
           </a:p>
@@ -1387,7 +1386,7 @@
           <a:p>
             <a:fld id="{D753EFC8-4232-4598-94F6-94C0EBAFC469}" type="datetime1">
               <a:rPr lang="en-US" smtClean="0"/>
-              <a:t>11/21/22</a:t>
+              <a:t>11/25/24</a:t>
             </a:fld>
             <a:endParaRPr lang="en-US"/>
           </a:p>
@@ -1702,7 +1701,7 @@
           <a:p>
             <a:fld id="{F3161074-1C18-4AE7-957D-F18524378C85}" type="datetime1">
               <a:rPr lang="en-US" smtClean="0"/>
-              <a:t>11/21/22</a:t>
+              <a:t>11/25/24</a:t>
             </a:fld>
             <a:endParaRPr lang="en-US"/>
           </a:p>
@@ -1976,7 +1975,7 @@
           <a:p>
             <a:fld id="{69BE256C-8D9A-4404-B47D-41A1AE514425}" type="datetime1">
               <a:rPr lang="en-US" smtClean="0"/>
-              <a:t>11/21/22</a:t>
+              <a:t>11/25/24</a:t>
             </a:fld>
             <a:endParaRPr lang="en-US"/>
           </a:p>
@@ -2410,7 +2409,7 @@
           <a:p>
             <a:fld id="{66CB2154-9035-4012-8189-BAAB61C5A5EE}" type="datetime1">
               <a:rPr lang="en-US" smtClean="0"/>
-              <a:t>11/21/22</a:t>
+              <a:t>11/25/24</a:t>
             </a:fld>
             <a:endParaRPr lang="en-US"/>
           </a:p>
@@ -2584,7 +2583,7 @@
           <a:p>
             <a:fld id="{6700A58B-DD98-43D0-B791-721480A02982}" type="datetime1">
               <a:rPr lang="en-US" smtClean="0"/>
-              <a:t>11/21/22</a:t>
+              <a:t>11/25/24</a:t>
             </a:fld>
             <a:endParaRPr lang="en-US"/>
           </a:p>
@@ -2776,7 +2775,7 @@
           <a:p>
             <a:fld id="{7DB6E382-4F61-4E24-BE1A-377EC83D0E3A}" type="datetime1">
               <a:rPr lang="en-US" smtClean="0"/>
-              <a:t>11/21/22</a:t>
+              <a:t>11/25/24</a:t>
             </a:fld>
             <a:endParaRPr lang="en-US"/>
           </a:p>
@@ -3087,7 +3086,7 @@
           <a:p>
             <a:fld id="{4142EED6-FC16-45B9-B8C4-2BC5DBA88325}" type="datetime1">
               <a:rPr lang="en-US" smtClean="0"/>
-              <a:t>11/21/22</a:t>
+              <a:t>11/25/24</a:t>
             </a:fld>
             <a:endParaRPr lang="en-US"/>
           </a:p>
@@ -3405,7 +3404,7 @@
           <a:p>
             <a:fld id="{DF59512B-4F1D-43D7-8819-2F53FEF69650}" type="datetime1">
               <a:rPr lang="en-US" smtClean="0"/>
-              <a:t>11/21/22</a:t>
+              <a:t>11/25/24</a:t>
             </a:fld>
             <a:endParaRPr lang="en-US"/>
           </a:p>
@@ -3681,7 +3680,7 @@
           <a:p>
             <a:fld id="{08437B94-E2BF-44DC-ADC5-B05FC9934E9D}" type="datetime1">
               <a:rPr lang="en-US" smtClean="0"/>
-              <a:t>11/21/22</a:t>
+              <a:t>11/25/24</a:t>
             </a:fld>
             <a:endParaRPr lang="en-US"/>
           </a:p>
@@ -4148,7 +4147,7 @@
           <a:p>
             <a:fld id="{6700A58B-DD98-43D0-B791-721480A02982}" type="datetime1">
               <a:rPr lang="en-US" smtClean="0"/>
-              <a:t>11/21/22</a:t>
+              <a:t>11/25/24</a:t>
             </a:fld>
             <a:endParaRPr lang="en-US"/>
           </a:p>
@@ -4685,132 +4684,6 @@
       </p:sp>
       <p:sp>
         <p:nvSpPr>
-          <p:cNvPr id="11" name="TextBox 10">
-            <a:extLst>
-              <a:ext uri="{FF2B5EF4-FFF2-40B4-BE49-F238E27FC236}">
-                <a16:creationId xmlns:a16="http://schemas.microsoft.com/office/drawing/2014/main" id="{B40D1860-F20A-0557-C7D5-4231457CBB44}"/>
-              </a:ext>
-            </a:extLst>
-          </p:cNvPr>
-          <p:cNvSpPr txBox="1"/>
-          <p:nvPr/>
-        </p:nvSpPr>
-        <p:spPr>
-          <a:xfrm>
-            <a:off x="4474464" y="2899301"/>
-            <a:ext cx="4401312" cy="2492990"/>
-          </a:xfrm>
-          <a:prstGeom prst="rect">
-            <a:avLst/>
-          </a:prstGeom>
-          <a:noFill/>
-        </p:spPr>
-        <p:txBody>
-          <a:bodyPr wrap="square" rtlCol="0">
-            <a:spAutoFit/>
-          </a:bodyPr>
-          <a:lstStyle/>
-          <a:p>
-            <a:r>
-              <a:rPr lang="en-US" dirty="0">
-                <a:highlight>
-                  <a:srgbClr val="FFFF00"/>
-                </a:highlight>
-              </a:rPr>
-              <a:t>Essay</a:t>
-            </a:r>
-          </a:p>
-          <a:p>
-            <a:pPr marL="65088" indent="-57150">
-              <a:buFont typeface="Arial" panose="020B0604020202020204" pitchFamily="34" charset="0"/>
-              <a:buChar char="•"/>
-            </a:pPr>
-            <a:r>
-              <a:rPr lang="en-US" sz="1050" dirty="0"/>
-              <a:t>You don’t have to cover the essays from class at all, but if you do no more than 25% of your material should review it.  I don’t want book reports</a:t>
-            </a:r>
-          </a:p>
-          <a:p>
-            <a:pPr marL="65088" indent="-57150">
-              <a:buFont typeface="Arial" panose="020B0604020202020204" pitchFamily="34" charset="0"/>
-              <a:buChar char="•"/>
-            </a:pPr>
-            <a:r>
-              <a:rPr lang="en-US" sz="1050" dirty="0"/>
-              <a:t>State your position “Generative AI is bad”, “AI Recommendations help the world”</a:t>
-            </a:r>
-          </a:p>
-          <a:p>
-            <a:pPr marL="522288" lvl="1" indent="-57150">
-              <a:buFont typeface="Arial" panose="020B0604020202020204" pitchFamily="34" charset="0"/>
-              <a:buChar char="•"/>
-            </a:pPr>
-            <a:r>
-              <a:rPr lang="en-US" sz="1050" dirty="0"/>
-              <a:t>Support your position with article quotes </a:t>
-            </a:r>
-          </a:p>
-          <a:p>
-            <a:pPr marL="522288" lvl="1" indent="-57150">
-              <a:buFont typeface="Arial" panose="020B0604020202020204" pitchFamily="34" charset="0"/>
-              <a:buChar char="•"/>
-            </a:pPr>
-            <a:r>
-              <a:rPr lang="en-US" sz="1050" dirty="0"/>
-              <a:t>Support your position with at least 1 philosophical paradigm</a:t>
-            </a:r>
-          </a:p>
-          <a:p>
-            <a:pPr marL="522288" lvl="1" indent="-57150">
-              <a:buFont typeface="Arial" panose="020B0604020202020204" pitchFamily="34" charset="0"/>
-              <a:buChar char="•"/>
-            </a:pPr>
-            <a:r>
-              <a:rPr lang="en-US" sz="1050" dirty="0"/>
-              <a:t>Identify an objection someone may have to your position and why “Generative AI adds to creativity because…”</a:t>
-            </a:r>
-          </a:p>
-          <a:p>
-            <a:pPr marL="522288" lvl="1" indent="-57150">
-              <a:buFont typeface="Arial" panose="020B0604020202020204" pitchFamily="34" charset="0"/>
-              <a:buChar char="•"/>
-            </a:pPr>
-            <a:r>
-              <a:rPr lang="en-US" sz="1050" dirty="0"/>
-              <a:t>Space permitting  overcome the objection identified</a:t>
-            </a:r>
-          </a:p>
-          <a:p>
-            <a:pPr marL="65088" indent="-57150">
-              <a:buFont typeface="Arial" panose="020B0604020202020204" pitchFamily="34" charset="0"/>
-              <a:buChar char="•"/>
-            </a:pPr>
-            <a:r>
-              <a:rPr lang="en-US" sz="1050" dirty="0"/>
-              <a:t>No need for APA etc.  Just add a link to the footer or end and have it start with “According to Wikipedia…”</a:t>
-            </a:r>
-          </a:p>
-          <a:p>
-            <a:pPr marL="65088" indent="-57150">
-              <a:buFont typeface="Arial" panose="020B0604020202020204" pitchFamily="34" charset="0"/>
-              <a:buChar char="•"/>
-            </a:pPr>
-            <a:r>
-              <a:rPr lang="en-US" sz="1050" dirty="0"/>
-              <a:t>If it is slightly longer, or shorter, don’t fret</a:t>
-            </a:r>
-          </a:p>
-          <a:p>
-            <a:pPr marL="65088" indent="-57150">
-              <a:buFont typeface="Arial" panose="020B0604020202020204" pitchFamily="34" charset="0"/>
-              <a:buChar char="•"/>
-            </a:pPr>
-            <a:endParaRPr lang="en-US" sz="1200" dirty="0"/>
-          </a:p>
-        </p:txBody>
-      </p:sp>
-      <p:sp>
-        <p:nvSpPr>
           <p:cNvPr id="12" name="TextBox 11">
             <a:extLst>
               <a:ext uri="{FF2B5EF4-FFF2-40B4-BE49-F238E27FC236}">
@@ -4938,7 +4811,7 @@
           <a:p>
             <a:fld id="{5738B90E-0779-4C36-915C-6F05FCD89456}" type="datetime1">
               <a:rPr lang="en-US" smtClean="0"/>
-              <a:t>11/21/22</a:t>
+              <a:t>11/25/24</a:t>
             </a:fld>
             <a:endParaRPr lang="en-US" dirty="0"/>
           </a:p>
@@ -5158,7 +5031,7 @@
           <a:p>
             <a:fld id="{4142EED6-FC16-45B9-B8C4-2BC5DBA88325}" type="datetime1">
               <a:rPr lang="en-US" smtClean="0"/>
-              <a:t>11/21/22</a:t>
+              <a:t>11/25/24</a:t>
             </a:fld>
             <a:endParaRPr lang="en-US"/>
           </a:p>
@@ -5245,14 +5118,14 @@
           <a:effectLst/>
           <a:extLst>
             <a:ext uri="{909E8E84-426E-40dd-AFC4-6F175D3DCCD1}">
-              <a14:hiddenFill xmlns="" xmlns:a14="http://schemas.microsoft.com/office/drawing/2010/main">
+              <a14:hiddenFill xmlns:a14="http://schemas.microsoft.com/office/drawing/2010/main" xmlns="">
                 <a:solidFill>
                   <a:schemeClr val="accent1"/>
                 </a:solidFill>
               </a14:hiddenFill>
             </a:ext>
             <a:ext uri="{91240B29-F687-4f45-9708-019B960494DF}">
-              <a14:hiddenLine xmlns="" xmlns:a14="http://schemas.microsoft.com/office/drawing/2010/main" w="9525">
+              <a14:hiddenLine xmlns:a14="http://schemas.microsoft.com/office/drawing/2010/main" xmlns="" w="9525">
                 <a:solidFill>
                   <a:schemeClr val="tx1"/>
                 </a:solidFill>
@@ -5262,7 +5135,7 @@
               </a14:hiddenLine>
             </a:ext>
             <a:ext uri="{AF507438-7753-43e0-B8FC-AC1667EBCBE1}">
-              <a14:hiddenEffects xmlns="" xmlns:a14="http://schemas.microsoft.com/office/drawing/2010/main">
+              <a14:hiddenEffects xmlns:a14="http://schemas.microsoft.com/office/drawing/2010/main" xmlns="">
                 <a:effectLst>
                   <a:outerShdw dist="35921" dir="2700000" algn="ctr" rotWithShape="0">
                     <a:schemeClr val="bg2"/>
@@ -5417,14 +5290,14 @@
           <a:effectLst/>
           <a:extLst>
             <a:ext uri="{909E8E84-426E-40dd-AFC4-6F175D3DCCD1}">
-              <a14:hiddenFill xmlns="" xmlns:a14="http://schemas.microsoft.com/office/drawing/2010/main">
+              <a14:hiddenFill xmlns:a14="http://schemas.microsoft.com/office/drawing/2010/main" xmlns="">
                 <a:solidFill>
                   <a:schemeClr val="accent1"/>
                 </a:solidFill>
               </a14:hiddenFill>
             </a:ext>
             <a:ext uri="{91240B29-F687-4f45-9708-019B960494DF}">
-              <a14:hiddenLine xmlns="" xmlns:a14="http://schemas.microsoft.com/office/drawing/2010/main" w="9525">
+              <a14:hiddenLine xmlns:a14="http://schemas.microsoft.com/office/drawing/2010/main" xmlns="" w="9525">
                 <a:solidFill>
                   <a:schemeClr val="tx1"/>
                 </a:solidFill>
@@ -5434,7 +5307,7 @@
               </a14:hiddenLine>
             </a:ext>
             <a:ext uri="{AF507438-7753-43e0-B8FC-AC1667EBCBE1}">
-              <a14:hiddenEffects xmlns="" xmlns:a14="http://schemas.microsoft.com/office/drawing/2010/main">
+              <a14:hiddenEffects xmlns:a14="http://schemas.microsoft.com/office/drawing/2010/main" xmlns="">
                 <a:effectLst>
                   <a:outerShdw dist="35921" dir="2700000" algn="ctr" rotWithShape="0">
                     <a:schemeClr val="bg2"/>
@@ -5572,7 +5445,7 @@
           <a:p>
             <a:fld id="{4142EED6-FC16-45B9-B8C4-2BC5DBA88325}" type="datetime1">
               <a:rPr lang="en-US" smtClean="0"/>
-              <a:t>11/21/22</a:t>
+              <a:t>11/25/24</a:t>
             </a:fld>
             <a:endParaRPr lang="en-US" dirty="0"/>
           </a:p>
@@ -5754,7 +5627,7 @@
           <a:p>
             <a:fld id="{4142EED6-FC16-45B9-B8C4-2BC5DBA88325}" type="datetime1">
               <a:rPr lang="en-US" smtClean="0"/>
-              <a:t>11/21/22</a:t>
+              <a:t>11/25/24</a:t>
             </a:fld>
             <a:endParaRPr lang="en-US"/>
           </a:p>
@@ -6181,7 +6054,7 @@
           <a:p>
             <a:fld id="{6700A58B-DD98-43D0-B791-721480A02982}" type="datetime1">
               <a:rPr lang="en-US" smtClean="0"/>
-              <a:t>11/21/22</a:t>
+              <a:t>11/25/24</a:t>
             </a:fld>
             <a:endParaRPr lang="en-US"/>
           </a:p>
@@ -6886,7 +6759,7 @@
           <a:p>
             <a:fld id="{6700A58B-DD98-43D0-B791-721480A02982}" type="datetime1">
               <a:rPr lang="en-US" smtClean="0"/>
-              <a:t>11/21/22</a:t>
+              <a:t>11/25/24</a:t>
             </a:fld>
             <a:endParaRPr lang="en-US"/>
           </a:p>
@@ -7078,7 +6951,7 @@
                 <a:latin typeface="Consolas" panose="020B0609020204030204" pitchFamily="49" charset="0"/>
                 <a:cs typeface="Consolas" panose="020B0609020204030204" pitchFamily="49" charset="0"/>
               </a:rPr>
-              <a:t>txtTdm</a:t>
+              <a:t>txtDtmM</a:t>
             </a:r>
             <a:r>
               <a:rPr lang="en-US" sz="1600" dirty="0">
@@ -7098,7 +6971,7 @@
                 <a:latin typeface="Consolas" panose="020B0609020204030204" pitchFamily="49" charset="0"/>
                 <a:cs typeface="Consolas" panose="020B0609020204030204" pitchFamily="49" charset="0"/>
               </a:rPr>
-              <a:t>TermDocumentMatrix</a:t>
+              <a:t>as.matrix</a:t>
             </a:r>
             <a:r>
               <a:rPr lang="en-US" sz="1600" dirty="0">
@@ -7118,131 +6991,7 @@
                 <a:latin typeface="Consolas" panose="020B0609020204030204" pitchFamily="49" charset="0"/>
                 <a:cs typeface="Consolas" panose="020B0609020204030204" pitchFamily="49" charset="0"/>
               </a:rPr>
-              <a:t>txtCorpus</a:t>
-            </a:r>
-            <a:r>
-              <a:rPr lang="en-US" sz="1600" dirty="0">
-                <a:solidFill>
-                  <a:schemeClr val="tx1"/>
-                </a:solidFill>
-                <a:latin typeface="Consolas" panose="020B0609020204030204" pitchFamily="49" charset="0"/>
-                <a:cs typeface="Consolas" panose="020B0609020204030204" pitchFamily="49" charset="0"/>
-              </a:rPr>
-              <a:t>)</a:t>
-            </a:r>
-          </a:p>
-          <a:p>
-            <a:r>
-              <a:rPr lang="en-US" sz="1600" dirty="0" err="1">
-                <a:solidFill>
-                  <a:schemeClr val="tx1"/>
-                </a:solidFill>
-                <a:latin typeface="Consolas" panose="020B0609020204030204" pitchFamily="49" charset="0"/>
-                <a:cs typeface="Consolas" panose="020B0609020204030204" pitchFamily="49" charset="0"/>
-              </a:rPr>
-              <a:t>txtDtmM</a:t>
-            </a:r>
-            <a:r>
-              <a:rPr lang="en-US" sz="1600" dirty="0">
-                <a:solidFill>
-                  <a:schemeClr val="tx1"/>
-                </a:solidFill>
-                <a:latin typeface="Consolas" panose="020B0609020204030204" pitchFamily="49" charset="0"/>
-                <a:cs typeface="Consolas" panose="020B0609020204030204" pitchFamily="49" charset="0"/>
-              </a:rPr>
-              <a:t>&lt;-</a:t>
-            </a:r>
-            <a:r>
-              <a:rPr lang="en-US" sz="1600" dirty="0" err="1">
-                <a:solidFill>
-                  <a:schemeClr val="tx1"/>
-                </a:solidFill>
-                <a:latin typeface="Consolas" panose="020B0609020204030204" pitchFamily="49" charset="0"/>
-                <a:cs typeface="Consolas" panose="020B0609020204030204" pitchFamily="49" charset="0"/>
-              </a:rPr>
-              <a:t>as.matrix</a:t>
-            </a:r>
-            <a:r>
-              <a:rPr lang="en-US" sz="1600" dirty="0">
-                <a:solidFill>
-                  <a:schemeClr val="tx1"/>
-                </a:solidFill>
-                <a:latin typeface="Consolas" panose="020B0609020204030204" pitchFamily="49" charset="0"/>
-                <a:cs typeface="Consolas" panose="020B0609020204030204" pitchFamily="49" charset="0"/>
-              </a:rPr>
-              <a:t>(</a:t>
-            </a:r>
-            <a:r>
-              <a:rPr lang="en-US" sz="1600" dirty="0" err="1">
-                <a:solidFill>
-                  <a:schemeClr val="tx1"/>
-                </a:solidFill>
-                <a:latin typeface="Consolas" panose="020B0609020204030204" pitchFamily="49" charset="0"/>
-                <a:cs typeface="Consolas" panose="020B0609020204030204" pitchFamily="49" charset="0"/>
-              </a:rPr>
               <a:t>txtDtm</a:t>
-            </a:r>
-            <a:r>
-              <a:rPr lang="en-US" sz="1600" dirty="0">
-                <a:solidFill>
-                  <a:schemeClr val="tx1"/>
-                </a:solidFill>
-                <a:latin typeface="Consolas" panose="020B0609020204030204" pitchFamily="49" charset="0"/>
-                <a:cs typeface="Consolas" panose="020B0609020204030204" pitchFamily="49" charset="0"/>
-              </a:rPr>
-              <a:t>)</a:t>
-            </a:r>
-          </a:p>
-          <a:p>
-            <a:r>
-              <a:rPr lang="en-US" sz="1600" dirty="0" err="1">
-                <a:solidFill>
-                  <a:schemeClr val="tx1"/>
-                </a:solidFill>
-                <a:latin typeface="Consolas" panose="020B0609020204030204" pitchFamily="49" charset="0"/>
-                <a:cs typeface="Consolas" panose="020B0609020204030204" pitchFamily="49" charset="0"/>
-              </a:rPr>
-              <a:t>txtTdmM</a:t>
-            </a:r>
-            <a:r>
-              <a:rPr lang="en-US" sz="1600" dirty="0">
-                <a:solidFill>
-                  <a:schemeClr val="tx1"/>
-                </a:solidFill>
-                <a:latin typeface="Consolas" panose="020B0609020204030204" pitchFamily="49" charset="0"/>
-                <a:cs typeface="Consolas" panose="020B0609020204030204" pitchFamily="49" charset="0"/>
-              </a:rPr>
-              <a:t>&lt;-</a:t>
-            </a:r>
-            <a:r>
-              <a:rPr lang="en-US" sz="1600" dirty="0" err="1">
-                <a:solidFill>
-                  <a:schemeClr val="tx1"/>
-                </a:solidFill>
-                <a:latin typeface="Consolas" panose="020B0609020204030204" pitchFamily="49" charset="0"/>
-                <a:cs typeface="Consolas" panose="020B0609020204030204" pitchFamily="49" charset="0"/>
-              </a:rPr>
-              <a:t>as.matrix</a:t>
-            </a:r>
-            <a:r>
-              <a:rPr lang="en-US" sz="1600" dirty="0">
-                <a:solidFill>
-                  <a:schemeClr val="tx1"/>
-                </a:solidFill>
-                <a:latin typeface="Consolas" panose="020B0609020204030204" pitchFamily="49" charset="0"/>
-                <a:cs typeface="Consolas" panose="020B0609020204030204" pitchFamily="49" charset="0"/>
-              </a:rPr>
-              <a:t>(</a:t>
-            </a:r>
-            <a:r>
-              <a:rPr lang="en-US" sz="1600" dirty="0" err="1">
-                <a:solidFill>
-                  <a:schemeClr val="tx1"/>
-                </a:solidFill>
-                <a:latin typeface="Consolas" panose="020B0609020204030204" pitchFamily="49" charset="0"/>
-                <a:cs typeface="Consolas" panose="020B0609020204030204" pitchFamily="49" charset="0"/>
-              </a:rPr>
-              <a:t>txtTdm</a:t>
             </a:r>
             <a:r>
               <a:rPr lang="en-US" sz="1600" dirty="0">
@@ -7364,2515 +7113,6 @@
       </p:sp>
       <p:graphicFrame>
         <p:nvGraphicFramePr>
-          <p:cNvPr id="15" name="Table 14">
-            <a:extLst>
-              <a:ext uri="{FF2B5EF4-FFF2-40B4-BE49-F238E27FC236}">
-                <a16:creationId xmlns:a16="http://schemas.microsoft.com/office/drawing/2014/main" id="{270F226D-E0DE-45AD-821B-7663925F86C1}"/>
-              </a:ext>
-            </a:extLst>
-          </p:cNvPr>
-          <p:cNvGraphicFramePr>
-            <a:graphicFrameLocks noGrp="1"/>
-          </p:cNvGraphicFramePr>
-          <p:nvPr>
-            <p:extLst>
-              <p:ext uri="{D42A27DB-BD31-4B8C-83A1-F6EECF244321}">
-                <p14:modId xmlns:p14="http://schemas.microsoft.com/office/powerpoint/2010/main" val="2447775404"/>
-              </p:ext>
-            </p:extLst>
-          </p:nvPr>
-        </p:nvGraphicFramePr>
-        <p:xfrm>
-          <a:off x="365760" y="1604750"/>
-          <a:ext cx="4453647" cy="2250440"/>
-        </p:xfrm>
-        <a:graphic>
-          <a:graphicData uri="http://schemas.openxmlformats.org/drawingml/2006/table">
-            <a:tbl>
-              <a:tblPr firstRow="1" bandRow="1">
-                <a:tableStyleId>{69C7853C-536D-4A76-A0AE-DD22124D55A5}</a:tableStyleId>
-              </a:tblPr>
-              <a:tblGrid>
-                <a:gridCol w="701993">
-                  <a:extLst>
-                    <a:ext uri="{9D8B030D-6E8A-4147-A177-3AD203B41FA5}">
-                      <a16:colId xmlns:a16="http://schemas.microsoft.com/office/drawing/2014/main" val="20000"/>
-                    </a:ext>
-                  </a:extLst>
-                </a:gridCol>
-                <a:gridCol w="694055">
-                  <a:extLst>
-                    <a:ext uri="{9D8B030D-6E8A-4147-A177-3AD203B41FA5}">
-                      <a16:colId xmlns:a16="http://schemas.microsoft.com/office/drawing/2014/main" val="20001"/>
-                    </a:ext>
-                  </a:extLst>
-                </a:gridCol>
-                <a:gridCol w="576654">
-                  <a:extLst>
-                    <a:ext uri="{9D8B030D-6E8A-4147-A177-3AD203B41FA5}">
-                      <a16:colId xmlns:a16="http://schemas.microsoft.com/office/drawing/2014/main" val="20002"/>
-                    </a:ext>
-                  </a:extLst>
-                </a:gridCol>
-                <a:gridCol w="646430">
-                  <a:extLst>
-                    <a:ext uri="{9D8B030D-6E8A-4147-A177-3AD203B41FA5}">
-                      <a16:colId xmlns:a16="http://schemas.microsoft.com/office/drawing/2014/main" val="20003"/>
-                    </a:ext>
-                  </a:extLst>
-                </a:gridCol>
-                <a:gridCol w="694055">
-                  <a:extLst>
-                    <a:ext uri="{9D8B030D-6E8A-4147-A177-3AD203B41FA5}">
-                      <a16:colId xmlns:a16="http://schemas.microsoft.com/office/drawing/2014/main" val="20004"/>
-                    </a:ext>
-                  </a:extLst>
-                </a:gridCol>
-                <a:gridCol w="360680">
-                  <a:extLst>
-                    <a:ext uri="{9D8B030D-6E8A-4147-A177-3AD203B41FA5}">
-                      <a16:colId xmlns:a16="http://schemas.microsoft.com/office/drawing/2014/main" val="20005"/>
-                    </a:ext>
-                  </a:extLst>
-                </a:gridCol>
-                <a:gridCol w="779780">
-                  <a:extLst>
-                    <a:ext uri="{9D8B030D-6E8A-4147-A177-3AD203B41FA5}">
-                      <a16:colId xmlns:a16="http://schemas.microsoft.com/office/drawing/2014/main" val="20006"/>
-                    </a:ext>
-                  </a:extLst>
-                </a:gridCol>
-              </a:tblGrid>
-              <a:tr h="370840">
-                <a:tc>
-                  <a:txBody>
-                    <a:bodyPr/>
-                    <a:lstStyle/>
-                    <a:p>
-                      <a:endParaRPr lang="en-US" sz="1000" dirty="0">
-                        <a:latin typeface="Arial Unicode MS" panose="020B0604020202020204" pitchFamily="34" charset="-128"/>
-                      </a:endParaRPr>
-                    </a:p>
-                  </a:txBody>
-                  <a:tcPr>
-                    <a:lnL w="12700" cap="flat" cmpd="sng" algn="ctr">
-                      <a:solidFill>
-                        <a:srgbClr val="FFFFFF"/>
-                      </a:solidFill>
-                      <a:prstDash val="solid"/>
-                      <a:round/>
-                      <a:headEnd type="none" w="med" len="med"/>
-                      <a:tailEnd type="none" w="med" len="med"/>
-                    </a:lnL>
-                    <a:lnR w="12700" cap="flat" cmpd="sng" algn="ctr">
-                      <a:solidFill>
-                        <a:srgbClr val="FFFFFF"/>
-                      </a:solidFill>
-                      <a:prstDash val="solid"/>
-                      <a:round/>
-                      <a:headEnd type="none" w="med" len="med"/>
-                      <a:tailEnd type="none" w="med" len="med"/>
-                    </a:lnR>
-                    <a:lnT w="12700" cap="flat" cmpd="sng" algn="ctr">
-                      <a:solidFill>
-                        <a:srgbClr val="FFFFFF"/>
-                      </a:solidFill>
-                      <a:prstDash val="solid"/>
-                      <a:round/>
-                      <a:headEnd type="none" w="med" len="med"/>
-                      <a:tailEnd type="none" w="med" len="med"/>
-                    </a:lnT>
-                    <a:lnB w="12700" cap="flat" cmpd="sng" algn="ctr">
-                      <a:solidFill>
-                        <a:srgbClr val="FFFFFF"/>
-                      </a:solidFill>
-                      <a:prstDash val="solid"/>
-                      <a:round/>
-                      <a:headEnd type="none" w="med" len="med"/>
-                      <a:tailEnd type="none" w="med" len="med"/>
-                    </a:lnB>
-                    <a:solidFill>
-                      <a:schemeClr val="accent5"/>
-                    </a:solidFill>
-                  </a:tcPr>
-                </a:tc>
-                <a:tc>
-                  <a:txBody>
-                    <a:bodyPr/>
-                    <a:lstStyle/>
-                    <a:p>
-                      <a:r>
-                        <a:rPr lang="en-US" sz="1000" dirty="0">
-                          <a:latin typeface="Arial Unicode MS" panose="020B0604020202020204" pitchFamily="34" charset="-128"/>
-                        </a:rPr>
-                        <a:t>Tweet1</a:t>
-                      </a:r>
-                    </a:p>
-                  </a:txBody>
-                  <a:tcPr>
-                    <a:lnL w="12700" cap="flat" cmpd="sng" algn="ctr">
-                      <a:solidFill>
-                        <a:srgbClr val="FFFFFF"/>
-                      </a:solidFill>
-                      <a:prstDash val="solid"/>
-                      <a:round/>
-                      <a:headEnd type="none" w="med" len="med"/>
-                      <a:tailEnd type="none" w="med" len="med"/>
-                    </a:lnL>
-                    <a:lnR w="12700" cap="flat" cmpd="sng" algn="ctr">
-                      <a:solidFill>
-                        <a:srgbClr val="FFFFFF"/>
-                      </a:solidFill>
-                      <a:prstDash val="solid"/>
-                      <a:round/>
-                      <a:headEnd type="none" w="med" len="med"/>
-                      <a:tailEnd type="none" w="med" len="med"/>
-                    </a:lnR>
-                    <a:lnT w="12700" cap="flat" cmpd="sng" algn="ctr">
-                      <a:solidFill>
-                        <a:srgbClr val="FFFFFF"/>
-                      </a:solidFill>
-                      <a:prstDash val="solid"/>
-                      <a:round/>
-                      <a:headEnd type="none" w="med" len="med"/>
-                      <a:tailEnd type="none" w="med" len="med"/>
-                    </a:lnT>
-                    <a:lnB w="12700" cap="flat" cmpd="sng" algn="ctr">
-                      <a:solidFill>
-                        <a:srgbClr val="FFFFFF"/>
-                      </a:solidFill>
-                      <a:prstDash val="solid"/>
-                      <a:round/>
-                      <a:headEnd type="none" w="med" len="med"/>
-                      <a:tailEnd type="none" w="med" len="med"/>
-                    </a:lnB>
-                    <a:solidFill>
-                      <a:schemeClr val="accent1"/>
-                    </a:solidFill>
-                  </a:tcPr>
-                </a:tc>
-                <a:tc>
-                  <a:txBody>
-                    <a:bodyPr/>
-                    <a:lstStyle/>
-                    <a:p>
-                      <a:r>
-                        <a:rPr lang="en-US" sz="1000" dirty="0">
-                          <a:latin typeface="Arial Unicode MS" panose="020B0604020202020204" pitchFamily="34" charset="-128"/>
-                        </a:rPr>
-                        <a:t>Tweet2</a:t>
-                      </a:r>
-                    </a:p>
-                  </a:txBody>
-                  <a:tcPr>
-                    <a:lnL w="12700" cap="flat" cmpd="sng" algn="ctr">
-                      <a:solidFill>
-                        <a:srgbClr val="FFFFFF"/>
-                      </a:solidFill>
-                      <a:prstDash val="solid"/>
-                      <a:round/>
-                      <a:headEnd type="none" w="med" len="med"/>
-                      <a:tailEnd type="none" w="med" len="med"/>
-                    </a:lnL>
-                    <a:lnR w="12700" cap="flat" cmpd="sng" algn="ctr">
-                      <a:solidFill>
-                        <a:srgbClr val="FFFFFF"/>
-                      </a:solidFill>
-                      <a:prstDash val="solid"/>
-                      <a:round/>
-                      <a:headEnd type="none" w="med" len="med"/>
-                      <a:tailEnd type="none" w="med" len="med"/>
-                    </a:lnR>
-                    <a:lnT w="12700" cap="flat" cmpd="sng" algn="ctr">
-                      <a:solidFill>
-                        <a:srgbClr val="FFFFFF"/>
-                      </a:solidFill>
-                      <a:prstDash val="solid"/>
-                      <a:round/>
-                      <a:headEnd type="none" w="med" len="med"/>
-                      <a:tailEnd type="none" w="med" len="med"/>
-                    </a:lnT>
-                    <a:lnB w="12700" cap="flat" cmpd="sng" algn="ctr">
-                      <a:solidFill>
-                        <a:srgbClr val="FFFFFF"/>
-                      </a:solidFill>
-                      <a:prstDash val="solid"/>
-                      <a:round/>
-                      <a:headEnd type="none" w="med" len="med"/>
-                      <a:tailEnd type="none" w="med" len="med"/>
-                    </a:lnB>
-                    <a:solidFill>
-                      <a:schemeClr val="accent1"/>
-                    </a:solidFill>
-                  </a:tcPr>
-                </a:tc>
-                <a:tc>
-                  <a:txBody>
-                    <a:bodyPr/>
-                    <a:lstStyle/>
-                    <a:p>
-                      <a:r>
-                        <a:rPr lang="en-US" sz="1000" dirty="0">
-                          <a:latin typeface="Arial Unicode MS" panose="020B0604020202020204" pitchFamily="34" charset="-128"/>
-                        </a:rPr>
-                        <a:t>Tweet3</a:t>
-                      </a:r>
-                    </a:p>
-                  </a:txBody>
-                  <a:tcPr>
-                    <a:lnL w="12700" cap="flat" cmpd="sng" algn="ctr">
-                      <a:solidFill>
-                        <a:srgbClr val="FFFFFF"/>
-                      </a:solidFill>
-                      <a:prstDash val="solid"/>
-                      <a:round/>
-                      <a:headEnd type="none" w="med" len="med"/>
-                      <a:tailEnd type="none" w="med" len="med"/>
-                    </a:lnL>
-                    <a:lnR w="12700" cap="flat" cmpd="sng" algn="ctr">
-                      <a:solidFill>
-                        <a:srgbClr val="FFFFFF"/>
-                      </a:solidFill>
-                      <a:prstDash val="solid"/>
-                      <a:round/>
-                      <a:headEnd type="none" w="med" len="med"/>
-                      <a:tailEnd type="none" w="med" len="med"/>
-                    </a:lnR>
-                    <a:lnT w="12700" cap="flat" cmpd="sng" algn="ctr">
-                      <a:solidFill>
-                        <a:srgbClr val="FFFFFF"/>
-                      </a:solidFill>
-                      <a:prstDash val="solid"/>
-                      <a:round/>
-                      <a:headEnd type="none" w="med" len="med"/>
-                      <a:tailEnd type="none" w="med" len="med"/>
-                    </a:lnT>
-                    <a:lnB w="12700" cap="flat" cmpd="sng" algn="ctr">
-                      <a:solidFill>
-                        <a:srgbClr val="FFFFFF"/>
-                      </a:solidFill>
-                      <a:prstDash val="solid"/>
-                      <a:round/>
-                      <a:headEnd type="none" w="med" len="med"/>
-                      <a:tailEnd type="none" w="med" len="med"/>
-                    </a:lnB>
-                    <a:solidFill>
-                      <a:schemeClr val="accent1"/>
-                    </a:solidFill>
-                  </a:tcPr>
-                </a:tc>
-                <a:tc>
-                  <a:txBody>
-                    <a:bodyPr/>
-                    <a:lstStyle/>
-                    <a:p>
-                      <a:r>
-                        <a:rPr lang="en-US" sz="1000" dirty="0">
-                          <a:latin typeface="Arial Unicode MS" panose="020B0604020202020204" pitchFamily="34" charset="-128"/>
-                        </a:rPr>
-                        <a:t>Tweet4</a:t>
-                      </a:r>
-                    </a:p>
-                  </a:txBody>
-                  <a:tcPr>
-                    <a:lnL w="12700" cap="flat" cmpd="sng" algn="ctr">
-                      <a:solidFill>
-                        <a:srgbClr val="FFFFFF"/>
-                      </a:solidFill>
-                      <a:prstDash val="solid"/>
-                      <a:round/>
-                      <a:headEnd type="none" w="med" len="med"/>
-                      <a:tailEnd type="none" w="med" len="med"/>
-                    </a:lnL>
-                    <a:lnR w="12700" cap="flat" cmpd="sng" algn="ctr">
-                      <a:solidFill>
-                        <a:srgbClr val="FFFFFF"/>
-                      </a:solidFill>
-                      <a:prstDash val="solid"/>
-                      <a:round/>
-                      <a:headEnd type="none" w="med" len="med"/>
-                      <a:tailEnd type="none" w="med" len="med"/>
-                    </a:lnR>
-                    <a:lnT w="12700" cap="flat" cmpd="sng" algn="ctr">
-                      <a:solidFill>
-                        <a:srgbClr val="FFFFFF"/>
-                      </a:solidFill>
-                      <a:prstDash val="solid"/>
-                      <a:round/>
-                      <a:headEnd type="none" w="med" len="med"/>
-                      <a:tailEnd type="none" w="med" len="med"/>
-                    </a:lnT>
-                    <a:lnB w="12700" cap="flat" cmpd="sng" algn="ctr">
-                      <a:solidFill>
-                        <a:srgbClr val="FFFFFF"/>
-                      </a:solidFill>
-                      <a:prstDash val="solid"/>
-                      <a:round/>
-                      <a:headEnd type="none" w="med" len="med"/>
-                      <a:tailEnd type="none" w="med" len="med"/>
-                    </a:lnB>
-                    <a:solidFill>
-                      <a:schemeClr val="accent1"/>
-                    </a:solidFill>
-                  </a:tcPr>
-                </a:tc>
-                <a:tc>
-                  <a:txBody>
-                    <a:bodyPr/>
-                    <a:lstStyle/>
-                    <a:p>
-                      <a:r>
-                        <a:rPr lang="en-US" sz="1000" dirty="0">
-                          <a:latin typeface="Arial Unicode MS" panose="020B0604020202020204" pitchFamily="34" charset="-128"/>
-                        </a:rPr>
-                        <a:t>…</a:t>
-                      </a:r>
-                    </a:p>
-                  </a:txBody>
-                  <a:tcPr>
-                    <a:lnL w="12700" cap="flat" cmpd="sng" algn="ctr">
-                      <a:solidFill>
-                        <a:srgbClr val="FFFFFF"/>
-                      </a:solidFill>
-                      <a:prstDash val="solid"/>
-                      <a:round/>
-                      <a:headEnd type="none" w="med" len="med"/>
-                      <a:tailEnd type="none" w="med" len="med"/>
-                    </a:lnL>
-                    <a:lnR w="12700" cap="flat" cmpd="sng" algn="ctr">
-                      <a:solidFill>
-                        <a:srgbClr val="FFFFFF"/>
-                      </a:solidFill>
-                      <a:prstDash val="solid"/>
-                      <a:round/>
-                      <a:headEnd type="none" w="med" len="med"/>
-                      <a:tailEnd type="none" w="med" len="med"/>
-                    </a:lnR>
-                    <a:lnT w="12700" cap="flat" cmpd="sng" algn="ctr">
-                      <a:solidFill>
-                        <a:srgbClr val="FFFFFF"/>
-                      </a:solidFill>
-                      <a:prstDash val="solid"/>
-                      <a:round/>
-                      <a:headEnd type="none" w="med" len="med"/>
-                      <a:tailEnd type="none" w="med" len="med"/>
-                    </a:lnT>
-                    <a:lnB w="12700" cap="flat" cmpd="sng" algn="ctr">
-                      <a:solidFill>
-                        <a:srgbClr val="FFFFFF"/>
-                      </a:solidFill>
-                      <a:prstDash val="solid"/>
-                      <a:round/>
-                      <a:headEnd type="none" w="med" len="med"/>
-                      <a:tailEnd type="none" w="med" len="med"/>
-                    </a:lnB>
-                    <a:solidFill>
-                      <a:schemeClr val="accent1"/>
-                    </a:solidFill>
-                  </a:tcPr>
-                </a:tc>
-                <a:tc>
-                  <a:txBody>
-                    <a:bodyPr/>
-                    <a:lstStyle/>
-                    <a:p>
-                      <a:r>
-                        <a:rPr lang="en-US" sz="1000" dirty="0">
-                          <a:latin typeface="Arial Unicode MS" panose="020B0604020202020204" pitchFamily="34" charset="-128"/>
-                        </a:rPr>
-                        <a:t>Tweet_n</a:t>
-                      </a:r>
-                    </a:p>
-                  </a:txBody>
-                  <a:tcPr>
-                    <a:lnL w="12700" cap="flat" cmpd="sng" algn="ctr">
-                      <a:solidFill>
-                        <a:srgbClr val="FFFFFF"/>
-                      </a:solidFill>
-                      <a:prstDash val="solid"/>
-                      <a:round/>
-                      <a:headEnd type="none" w="med" len="med"/>
-                      <a:tailEnd type="none" w="med" len="med"/>
-                    </a:lnL>
-                    <a:lnR w="12700" cap="flat" cmpd="sng" algn="ctr">
-                      <a:solidFill>
-                        <a:srgbClr val="FFFFFF"/>
-                      </a:solidFill>
-                      <a:prstDash val="solid"/>
-                      <a:round/>
-                      <a:headEnd type="none" w="med" len="med"/>
-                      <a:tailEnd type="none" w="med" len="med"/>
-                    </a:lnR>
-                    <a:lnT w="12700" cap="flat" cmpd="sng" algn="ctr">
-                      <a:solidFill>
-                        <a:srgbClr val="FFFFFF"/>
-                      </a:solidFill>
-                      <a:prstDash val="solid"/>
-                      <a:round/>
-                      <a:headEnd type="none" w="med" len="med"/>
-                      <a:tailEnd type="none" w="med" len="med"/>
-                    </a:lnT>
-                    <a:lnB w="12700" cap="flat" cmpd="sng" algn="ctr">
-                      <a:solidFill>
-                        <a:srgbClr val="FFFFFF"/>
-                      </a:solidFill>
-                      <a:prstDash val="solid"/>
-                      <a:round/>
-                      <a:headEnd type="none" w="med" len="med"/>
-                      <a:tailEnd type="none" w="med" len="med"/>
-                    </a:lnB>
-                    <a:solidFill>
-                      <a:schemeClr val="accent1"/>
-                    </a:solidFill>
-                  </a:tcPr>
-                </a:tc>
-                <a:extLst>
-                  <a:ext uri="{0D108BD9-81ED-4DB2-BD59-A6C34878D82A}">
-                    <a16:rowId xmlns:a16="http://schemas.microsoft.com/office/drawing/2014/main" val="10000"/>
-                  </a:ext>
-                </a:extLst>
-              </a:tr>
-              <a:tr h="370840">
-                <a:tc>
-                  <a:txBody>
-                    <a:bodyPr/>
-                    <a:lstStyle/>
-                    <a:p>
-                      <a:r>
-                        <a:rPr lang="en-US" sz="1000" dirty="0">
-                          <a:solidFill>
-                            <a:schemeClr val="bg1"/>
-                          </a:solidFill>
-                          <a:latin typeface="Arial Unicode MS" panose="020B0604020202020204" pitchFamily="34" charset="-128"/>
-                        </a:rPr>
-                        <a:t>Term1</a:t>
-                      </a:r>
-                    </a:p>
-                  </a:txBody>
-                  <a:tcPr>
-                    <a:lnL w="12700" cap="flat" cmpd="sng" algn="ctr">
-                      <a:solidFill>
-                        <a:srgbClr val="FFFFFF"/>
-                      </a:solidFill>
-                      <a:prstDash val="solid"/>
-                      <a:round/>
-                      <a:headEnd type="none" w="med" len="med"/>
-                      <a:tailEnd type="none" w="med" len="med"/>
-                    </a:lnL>
-                    <a:lnR w="12700" cap="flat" cmpd="sng" algn="ctr">
-                      <a:solidFill>
-                        <a:srgbClr val="FFFFFF"/>
-                      </a:solidFill>
-                      <a:prstDash val="solid"/>
-                      <a:round/>
-                      <a:headEnd type="none" w="med" len="med"/>
-                      <a:tailEnd type="none" w="med" len="med"/>
-                    </a:lnR>
-                    <a:lnT w="12700" cap="flat" cmpd="sng" algn="ctr">
-                      <a:solidFill>
-                        <a:srgbClr val="FFFFFF"/>
-                      </a:solidFill>
-                      <a:prstDash val="solid"/>
-                      <a:round/>
-                      <a:headEnd type="none" w="med" len="med"/>
-                      <a:tailEnd type="none" w="med" len="med"/>
-                    </a:lnT>
-                    <a:lnB w="12700" cap="flat" cmpd="sng" algn="ctr">
-                      <a:solidFill>
-                        <a:srgbClr val="FFFFFF"/>
-                      </a:solidFill>
-                      <a:prstDash val="solid"/>
-                      <a:round/>
-                      <a:headEnd type="none" w="med" len="med"/>
-                      <a:tailEnd type="none" w="med" len="med"/>
-                    </a:lnB>
-                    <a:solidFill>
-                      <a:schemeClr val="accent1"/>
-                    </a:solidFill>
-                  </a:tcPr>
-                </a:tc>
-                <a:tc>
-                  <a:txBody>
-                    <a:bodyPr/>
-                    <a:lstStyle/>
-                    <a:p>
-                      <a:r>
-                        <a:rPr lang="en-US" sz="1000" dirty="0">
-                          <a:latin typeface="Arial Unicode MS" panose="020B0604020202020204" pitchFamily="34" charset="-128"/>
-                        </a:rPr>
-                        <a:t>0</a:t>
-                      </a:r>
-                    </a:p>
-                  </a:txBody>
-                  <a:tcPr>
-                    <a:lnL w="12700" cap="flat" cmpd="sng" algn="ctr">
-                      <a:solidFill>
-                        <a:srgbClr val="FFFFFF"/>
-                      </a:solidFill>
-                      <a:prstDash val="solid"/>
-                      <a:round/>
-                      <a:headEnd type="none" w="med" len="med"/>
-                      <a:tailEnd type="none" w="med" len="med"/>
-                    </a:lnL>
-                    <a:lnR w="12700" cap="flat" cmpd="sng" algn="ctr">
-                      <a:solidFill>
-                        <a:srgbClr val="FFFFFF"/>
-                      </a:solidFill>
-                      <a:prstDash val="solid"/>
-                      <a:round/>
-                      <a:headEnd type="none" w="med" len="med"/>
-                      <a:tailEnd type="none" w="med" len="med"/>
-                    </a:lnR>
-                    <a:lnT w="12700" cap="flat" cmpd="sng" algn="ctr">
-                      <a:solidFill>
-                        <a:srgbClr val="FFFFFF"/>
-                      </a:solidFill>
-                      <a:prstDash val="solid"/>
-                      <a:round/>
-                      <a:headEnd type="none" w="med" len="med"/>
-                      <a:tailEnd type="none" w="med" len="med"/>
-                    </a:lnT>
-                    <a:lnB w="12700" cap="flat" cmpd="sng" algn="ctr">
-                      <a:solidFill>
-                        <a:srgbClr val="FFFFFF"/>
-                      </a:solidFill>
-                      <a:prstDash val="solid"/>
-                      <a:round/>
-                      <a:headEnd type="none" w="med" len="med"/>
-                      <a:tailEnd type="none" w="med" len="med"/>
-                    </a:lnB>
-                    <a:solidFill>
-                      <a:schemeClr val="accent5"/>
-                    </a:solidFill>
-                  </a:tcPr>
-                </a:tc>
-                <a:tc>
-                  <a:txBody>
-                    <a:bodyPr/>
-                    <a:lstStyle/>
-                    <a:p>
-                      <a:r>
-                        <a:rPr lang="en-US" sz="1000" dirty="0">
-                          <a:latin typeface="Arial Unicode MS" panose="020B0604020202020204" pitchFamily="34" charset="-128"/>
-                        </a:rPr>
-                        <a:t>0</a:t>
-                      </a:r>
-                    </a:p>
-                  </a:txBody>
-                  <a:tcPr>
-                    <a:lnL w="12700" cap="flat" cmpd="sng" algn="ctr">
-                      <a:solidFill>
-                        <a:srgbClr val="FFFFFF"/>
-                      </a:solidFill>
-                      <a:prstDash val="solid"/>
-                      <a:round/>
-                      <a:headEnd type="none" w="med" len="med"/>
-                      <a:tailEnd type="none" w="med" len="med"/>
-                    </a:lnL>
-                    <a:lnR w="12700" cap="flat" cmpd="sng" algn="ctr">
-                      <a:solidFill>
-                        <a:srgbClr val="FFFFFF"/>
-                      </a:solidFill>
-                      <a:prstDash val="solid"/>
-                      <a:round/>
-                      <a:headEnd type="none" w="med" len="med"/>
-                      <a:tailEnd type="none" w="med" len="med"/>
-                    </a:lnR>
-                    <a:lnT w="12700" cap="flat" cmpd="sng" algn="ctr">
-                      <a:solidFill>
-                        <a:srgbClr val="FFFFFF"/>
-                      </a:solidFill>
-                      <a:prstDash val="solid"/>
-                      <a:round/>
-                      <a:headEnd type="none" w="med" len="med"/>
-                      <a:tailEnd type="none" w="med" len="med"/>
-                    </a:lnT>
-                    <a:lnB w="12700" cap="flat" cmpd="sng" algn="ctr">
-                      <a:solidFill>
-                        <a:srgbClr val="FFFFFF"/>
-                      </a:solidFill>
-                      <a:prstDash val="solid"/>
-                      <a:round/>
-                      <a:headEnd type="none" w="med" len="med"/>
-                      <a:tailEnd type="none" w="med" len="med"/>
-                    </a:lnB>
-                    <a:solidFill>
-                      <a:schemeClr val="accent5"/>
-                    </a:solidFill>
-                  </a:tcPr>
-                </a:tc>
-                <a:tc>
-                  <a:txBody>
-                    <a:bodyPr/>
-                    <a:lstStyle/>
-                    <a:p>
-                      <a:r>
-                        <a:rPr lang="en-US" sz="1000" dirty="0">
-                          <a:latin typeface="Arial Unicode MS" panose="020B0604020202020204" pitchFamily="34" charset="-128"/>
-                        </a:rPr>
-                        <a:t>0</a:t>
-                      </a:r>
-                    </a:p>
-                  </a:txBody>
-                  <a:tcPr>
-                    <a:lnL w="12700" cap="flat" cmpd="sng" algn="ctr">
-                      <a:solidFill>
-                        <a:srgbClr val="FFFFFF"/>
-                      </a:solidFill>
-                      <a:prstDash val="solid"/>
-                      <a:round/>
-                      <a:headEnd type="none" w="med" len="med"/>
-                      <a:tailEnd type="none" w="med" len="med"/>
-                    </a:lnL>
-                    <a:lnR w="12700" cap="flat" cmpd="sng" algn="ctr">
-                      <a:solidFill>
-                        <a:srgbClr val="FFFFFF"/>
-                      </a:solidFill>
-                      <a:prstDash val="solid"/>
-                      <a:round/>
-                      <a:headEnd type="none" w="med" len="med"/>
-                      <a:tailEnd type="none" w="med" len="med"/>
-                    </a:lnR>
-                    <a:lnT w="12700" cap="flat" cmpd="sng" algn="ctr">
-                      <a:solidFill>
-                        <a:srgbClr val="FFFFFF"/>
-                      </a:solidFill>
-                      <a:prstDash val="solid"/>
-                      <a:round/>
-                      <a:headEnd type="none" w="med" len="med"/>
-                      <a:tailEnd type="none" w="med" len="med"/>
-                    </a:lnT>
-                    <a:lnB w="12700" cap="flat" cmpd="sng" algn="ctr">
-                      <a:solidFill>
-                        <a:srgbClr val="FFFFFF"/>
-                      </a:solidFill>
-                      <a:prstDash val="solid"/>
-                      <a:round/>
-                      <a:headEnd type="none" w="med" len="med"/>
-                      <a:tailEnd type="none" w="med" len="med"/>
-                    </a:lnB>
-                    <a:solidFill>
-                      <a:schemeClr val="accent5"/>
-                    </a:solidFill>
-                  </a:tcPr>
-                </a:tc>
-                <a:tc>
-                  <a:txBody>
-                    <a:bodyPr/>
-                    <a:lstStyle/>
-                    <a:p>
-                      <a:r>
-                        <a:rPr lang="en-US" sz="1000" dirty="0">
-                          <a:latin typeface="Arial Unicode MS" panose="020B0604020202020204" pitchFamily="34" charset="-128"/>
-                        </a:rPr>
-                        <a:t>0</a:t>
-                      </a:r>
-                    </a:p>
-                  </a:txBody>
-                  <a:tcPr>
-                    <a:lnL w="12700" cap="flat" cmpd="sng" algn="ctr">
-                      <a:solidFill>
-                        <a:srgbClr val="FFFFFF"/>
-                      </a:solidFill>
-                      <a:prstDash val="solid"/>
-                      <a:round/>
-                      <a:headEnd type="none" w="med" len="med"/>
-                      <a:tailEnd type="none" w="med" len="med"/>
-                    </a:lnL>
-                    <a:lnR w="12700" cap="flat" cmpd="sng" algn="ctr">
-                      <a:solidFill>
-                        <a:srgbClr val="FFFFFF"/>
-                      </a:solidFill>
-                      <a:prstDash val="solid"/>
-                      <a:round/>
-                      <a:headEnd type="none" w="med" len="med"/>
-                      <a:tailEnd type="none" w="med" len="med"/>
-                    </a:lnR>
-                    <a:lnT w="12700" cap="flat" cmpd="sng" algn="ctr">
-                      <a:solidFill>
-                        <a:srgbClr val="FFFFFF"/>
-                      </a:solidFill>
-                      <a:prstDash val="solid"/>
-                      <a:round/>
-                      <a:headEnd type="none" w="med" len="med"/>
-                      <a:tailEnd type="none" w="med" len="med"/>
-                    </a:lnT>
-                    <a:lnB w="12700" cap="flat" cmpd="sng" algn="ctr">
-                      <a:solidFill>
-                        <a:srgbClr val="FFFFFF"/>
-                      </a:solidFill>
-                      <a:prstDash val="solid"/>
-                      <a:round/>
-                      <a:headEnd type="none" w="med" len="med"/>
-                      <a:tailEnd type="none" w="med" len="med"/>
-                    </a:lnB>
-                    <a:solidFill>
-                      <a:schemeClr val="accent5"/>
-                    </a:solidFill>
-                  </a:tcPr>
-                </a:tc>
-                <a:tc>
-                  <a:txBody>
-                    <a:bodyPr/>
-                    <a:lstStyle/>
-                    <a:p>
-                      <a:r>
-                        <a:rPr lang="en-US" sz="1000" dirty="0">
-                          <a:latin typeface="Arial Unicode MS" panose="020B0604020202020204" pitchFamily="34" charset="-128"/>
-                        </a:rPr>
-                        <a:t>0</a:t>
-                      </a:r>
-                    </a:p>
-                  </a:txBody>
-                  <a:tcPr>
-                    <a:lnL w="12700" cap="flat" cmpd="sng" algn="ctr">
-                      <a:solidFill>
-                        <a:srgbClr val="FFFFFF"/>
-                      </a:solidFill>
-                      <a:prstDash val="solid"/>
-                      <a:round/>
-                      <a:headEnd type="none" w="med" len="med"/>
-                      <a:tailEnd type="none" w="med" len="med"/>
-                    </a:lnL>
-                    <a:lnR w="12700" cap="flat" cmpd="sng" algn="ctr">
-                      <a:solidFill>
-                        <a:srgbClr val="FFFFFF"/>
-                      </a:solidFill>
-                      <a:prstDash val="solid"/>
-                      <a:round/>
-                      <a:headEnd type="none" w="med" len="med"/>
-                      <a:tailEnd type="none" w="med" len="med"/>
-                    </a:lnR>
-                    <a:lnT w="12700" cap="flat" cmpd="sng" algn="ctr">
-                      <a:solidFill>
-                        <a:srgbClr val="FFFFFF"/>
-                      </a:solidFill>
-                      <a:prstDash val="solid"/>
-                      <a:round/>
-                      <a:headEnd type="none" w="med" len="med"/>
-                      <a:tailEnd type="none" w="med" len="med"/>
-                    </a:lnT>
-                    <a:lnB w="12700" cap="flat" cmpd="sng" algn="ctr">
-                      <a:solidFill>
-                        <a:srgbClr val="FFFFFF"/>
-                      </a:solidFill>
-                      <a:prstDash val="solid"/>
-                      <a:round/>
-                      <a:headEnd type="none" w="med" len="med"/>
-                      <a:tailEnd type="none" w="med" len="med"/>
-                    </a:lnB>
-                    <a:solidFill>
-                      <a:schemeClr val="accent5"/>
-                    </a:solidFill>
-                  </a:tcPr>
-                </a:tc>
-                <a:tc>
-                  <a:txBody>
-                    <a:bodyPr/>
-                    <a:lstStyle/>
-                    <a:p>
-                      <a:r>
-                        <a:rPr lang="en-US" sz="1000" dirty="0">
-                          <a:latin typeface="Arial Unicode MS" panose="020B0604020202020204" pitchFamily="34" charset="-128"/>
-                        </a:rPr>
-                        <a:t>0</a:t>
-                      </a:r>
-                    </a:p>
-                  </a:txBody>
-                  <a:tcPr>
-                    <a:lnL w="12700" cap="flat" cmpd="sng" algn="ctr">
-                      <a:solidFill>
-                        <a:srgbClr val="FFFFFF"/>
-                      </a:solidFill>
-                      <a:prstDash val="solid"/>
-                      <a:round/>
-                      <a:headEnd type="none" w="med" len="med"/>
-                      <a:tailEnd type="none" w="med" len="med"/>
-                    </a:lnL>
-                    <a:lnR w="12700" cap="flat" cmpd="sng" algn="ctr">
-                      <a:solidFill>
-                        <a:srgbClr val="FFFFFF"/>
-                      </a:solidFill>
-                      <a:prstDash val="solid"/>
-                      <a:round/>
-                      <a:headEnd type="none" w="med" len="med"/>
-                      <a:tailEnd type="none" w="med" len="med"/>
-                    </a:lnR>
-                    <a:lnT w="12700" cap="flat" cmpd="sng" algn="ctr">
-                      <a:solidFill>
-                        <a:srgbClr val="FFFFFF"/>
-                      </a:solidFill>
-                      <a:prstDash val="solid"/>
-                      <a:round/>
-                      <a:headEnd type="none" w="med" len="med"/>
-                      <a:tailEnd type="none" w="med" len="med"/>
-                    </a:lnT>
-                    <a:lnB w="12700" cap="flat" cmpd="sng" algn="ctr">
-                      <a:solidFill>
-                        <a:srgbClr val="FFFFFF"/>
-                      </a:solidFill>
-                      <a:prstDash val="solid"/>
-                      <a:round/>
-                      <a:headEnd type="none" w="med" len="med"/>
-                      <a:tailEnd type="none" w="med" len="med"/>
-                    </a:lnB>
-                    <a:solidFill>
-                      <a:schemeClr val="accent5"/>
-                    </a:solidFill>
-                  </a:tcPr>
-                </a:tc>
-                <a:extLst>
-                  <a:ext uri="{0D108BD9-81ED-4DB2-BD59-A6C34878D82A}">
-                    <a16:rowId xmlns:a16="http://schemas.microsoft.com/office/drawing/2014/main" val="10001"/>
-                  </a:ext>
-                </a:extLst>
-              </a:tr>
-              <a:tr h="370840">
-                <a:tc>
-                  <a:txBody>
-                    <a:bodyPr/>
-                    <a:lstStyle/>
-                    <a:p>
-                      <a:r>
-                        <a:rPr lang="en-US" sz="1000" dirty="0">
-                          <a:solidFill>
-                            <a:schemeClr val="bg1"/>
-                          </a:solidFill>
-                          <a:latin typeface="Arial Unicode MS" panose="020B0604020202020204" pitchFamily="34" charset="-128"/>
-                        </a:rPr>
-                        <a:t>Term2</a:t>
-                      </a:r>
-                    </a:p>
-                  </a:txBody>
-                  <a:tcPr>
-                    <a:lnL w="12700" cap="flat" cmpd="sng" algn="ctr">
-                      <a:solidFill>
-                        <a:srgbClr val="FFFFFF"/>
-                      </a:solidFill>
-                      <a:prstDash val="solid"/>
-                      <a:round/>
-                      <a:headEnd type="none" w="med" len="med"/>
-                      <a:tailEnd type="none" w="med" len="med"/>
-                    </a:lnL>
-                    <a:lnR w="12700" cap="flat" cmpd="sng" algn="ctr">
-                      <a:solidFill>
-                        <a:srgbClr val="FFFFFF"/>
-                      </a:solidFill>
-                      <a:prstDash val="solid"/>
-                      <a:round/>
-                      <a:headEnd type="none" w="med" len="med"/>
-                      <a:tailEnd type="none" w="med" len="med"/>
-                    </a:lnR>
-                    <a:lnT w="12700" cap="flat" cmpd="sng" algn="ctr">
-                      <a:solidFill>
-                        <a:srgbClr val="FFFFFF"/>
-                      </a:solidFill>
-                      <a:prstDash val="solid"/>
-                      <a:round/>
-                      <a:headEnd type="none" w="med" len="med"/>
-                      <a:tailEnd type="none" w="med" len="med"/>
-                    </a:lnT>
-                    <a:lnB w="12700" cap="flat" cmpd="sng" algn="ctr">
-                      <a:solidFill>
-                        <a:srgbClr val="FFFFFF"/>
-                      </a:solidFill>
-                      <a:prstDash val="solid"/>
-                      <a:round/>
-                      <a:headEnd type="none" w="med" len="med"/>
-                      <a:tailEnd type="none" w="med" len="med"/>
-                    </a:lnB>
-                    <a:solidFill>
-                      <a:schemeClr val="accent1"/>
-                    </a:solidFill>
-                  </a:tcPr>
-                </a:tc>
-                <a:tc>
-                  <a:txBody>
-                    <a:bodyPr/>
-                    <a:lstStyle/>
-                    <a:p>
-                      <a:r>
-                        <a:rPr lang="en-US" sz="1000" dirty="0">
-                          <a:latin typeface="Arial Unicode MS" panose="020B0604020202020204" pitchFamily="34" charset="-128"/>
-                        </a:rPr>
-                        <a:t>1</a:t>
-                      </a:r>
-                    </a:p>
-                  </a:txBody>
-                  <a:tcPr>
-                    <a:lnL w="12700" cap="flat" cmpd="sng" algn="ctr">
-                      <a:solidFill>
-                        <a:srgbClr val="FFFFFF"/>
-                      </a:solidFill>
-                      <a:prstDash val="solid"/>
-                      <a:round/>
-                      <a:headEnd type="none" w="med" len="med"/>
-                      <a:tailEnd type="none" w="med" len="med"/>
-                    </a:lnL>
-                    <a:lnR w="12700" cap="flat" cmpd="sng" algn="ctr">
-                      <a:solidFill>
-                        <a:srgbClr val="FFFFFF"/>
-                      </a:solidFill>
-                      <a:prstDash val="solid"/>
-                      <a:round/>
-                      <a:headEnd type="none" w="med" len="med"/>
-                      <a:tailEnd type="none" w="med" len="med"/>
-                    </a:lnR>
-                    <a:lnT w="12700" cap="flat" cmpd="sng" algn="ctr">
-                      <a:solidFill>
-                        <a:srgbClr val="FFFFFF"/>
-                      </a:solidFill>
-                      <a:prstDash val="solid"/>
-                      <a:round/>
-                      <a:headEnd type="none" w="med" len="med"/>
-                      <a:tailEnd type="none" w="med" len="med"/>
-                    </a:lnT>
-                    <a:lnB w="12700" cap="flat" cmpd="sng" algn="ctr">
-                      <a:solidFill>
-                        <a:srgbClr val="FFFFFF"/>
-                      </a:solidFill>
-                      <a:prstDash val="solid"/>
-                      <a:round/>
-                      <a:headEnd type="none" w="med" len="med"/>
-                      <a:tailEnd type="none" w="med" len="med"/>
-                    </a:lnB>
-                    <a:solidFill>
-                      <a:schemeClr val="accent5"/>
-                    </a:solidFill>
-                  </a:tcPr>
-                </a:tc>
-                <a:tc>
-                  <a:txBody>
-                    <a:bodyPr/>
-                    <a:lstStyle/>
-                    <a:p>
-                      <a:r>
-                        <a:rPr lang="en-US" sz="1000" dirty="0">
-                          <a:latin typeface="Arial Unicode MS" panose="020B0604020202020204" pitchFamily="34" charset="-128"/>
-                        </a:rPr>
-                        <a:t>1</a:t>
-                      </a:r>
-                    </a:p>
-                  </a:txBody>
-                  <a:tcPr>
-                    <a:lnL w="12700" cap="flat" cmpd="sng" algn="ctr">
-                      <a:solidFill>
-                        <a:srgbClr val="FFFFFF"/>
-                      </a:solidFill>
-                      <a:prstDash val="solid"/>
-                      <a:round/>
-                      <a:headEnd type="none" w="med" len="med"/>
-                      <a:tailEnd type="none" w="med" len="med"/>
-                    </a:lnL>
-                    <a:lnR w="12700" cap="flat" cmpd="sng" algn="ctr">
-                      <a:solidFill>
-                        <a:srgbClr val="FFFFFF"/>
-                      </a:solidFill>
-                      <a:prstDash val="solid"/>
-                      <a:round/>
-                      <a:headEnd type="none" w="med" len="med"/>
-                      <a:tailEnd type="none" w="med" len="med"/>
-                    </a:lnR>
-                    <a:lnT w="12700" cap="flat" cmpd="sng" algn="ctr">
-                      <a:solidFill>
-                        <a:srgbClr val="FFFFFF"/>
-                      </a:solidFill>
-                      <a:prstDash val="solid"/>
-                      <a:round/>
-                      <a:headEnd type="none" w="med" len="med"/>
-                      <a:tailEnd type="none" w="med" len="med"/>
-                    </a:lnT>
-                    <a:lnB w="12700" cap="flat" cmpd="sng" algn="ctr">
-                      <a:solidFill>
-                        <a:srgbClr val="FFFFFF"/>
-                      </a:solidFill>
-                      <a:prstDash val="solid"/>
-                      <a:round/>
-                      <a:headEnd type="none" w="med" len="med"/>
-                      <a:tailEnd type="none" w="med" len="med"/>
-                    </a:lnB>
-                    <a:solidFill>
-                      <a:schemeClr val="accent5"/>
-                    </a:solidFill>
-                  </a:tcPr>
-                </a:tc>
-                <a:tc>
-                  <a:txBody>
-                    <a:bodyPr/>
-                    <a:lstStyle/>
-                    <a:p>
-                      <a:r>
-                        <a:rPr lang="en-US" sz="1000" dirty="0">
-                          <a:latin typeface="Arial Unicode MS" panose="020B0604020202020204" pitchFamily="34" charset="-128"/>
-                        </a:rPr>
-                        <a:t>0</a:t>
-                      </a:r>
-                    </a:p>
-                  </a:txBody>
-                  <a:tcPr>
-                    <a:lnL w="12700" cap="flat" cmpd="sng" algn="ctr">
-                      <a:solidFill>
-                        <a:srgbClr val="FFFFFF"/>
-                      </a:solidFill>
-                      <a:prstDash val="solid"/>
-                      <a:round/>
-                      <a:headEnd type="none" w="med" len="med"/>
-                      <a:tailEnd type="none" w="med" len="med"/>
-                    </a:lnL>
-                    <a:lnR w="12700" cap="flat" cmpd="sng" algn="ctr">
-                      <a:solidFill>
-                        <a:srgbClr val="FFFFFF"/>
-                      </a:solidFill>
-                      <a:prstDash val="solid"/>
-                      <a:round/>
-                      <a:headEnd type="none" w="med" len="med"/>
-                      <a:tailEnd type="none" w="med" len="med"/>
-                    </a:lnR>
-                    <a:lnT w="12700" cap="flat" cmpd="sng" algn="ctr">
-                      <a:solidFill>
-                        <a:srgbClr val="FFFFFF"/>
-                      </a:solidFill>
-                      <a:prstDash val="solid"/>
-                      <a:round/>
-                      <a:headEnd type="none" w="med" len="med"/>
-                      <a:tailEnd type="none" w="med" len="med"/>
-                    </a:lnT>
-                    <a:lnB w="12700" cap="flat" cmpd="sng" algn="ctr">
-                      <a:solidFill>
-                        <a:srgbClr val="FFFFFF"/>
-                      </a:solidFill>
-                      <a:prstDash val="solid"/>
-                      <a:round/>
-                      <a:headEnd type="none" w="med" len="med"/>
-                      <a:tailEnd type="none" w="med" len="med"/>
-                    </a:lnB>
-                    <a:solidFill>
-                      <a:schemeClr val="accent5"/>
-                    </a:solidFill>
-                  </a:tcPr>
-                </a:tc>
-                <a:tc>
-                  <a:txBody>
-                    <a:bodyPr/>
-                    <a:lstStyle/>
-                    <a:p>
-                      <a:r>
-                        <a:rPr lang="en-US" sz="1000" dirty="0">
-                          <a:latin typeface="Arial Unicode MS" panose="020B0604020202020204" pitchFamily="34" charset="-128"/>
-                        </a:rPr>
-                        <a:t>0</a:t>
-                      </a:r>
-                    </a:p>
-                  </a:txBody>
-                  <a:tcPr>
-                    <a:lnL w="12700" cap="flat" cmpd="sng" algn="ctr">
-                      <a:solidFill>
-                        <a:srgbClr val="FFFFFF"/>
-                      </a:solidFill>
-                      <a:prstDash val="solid"/>
-                      <a:round/>
-                      <a:headEnd type="none" w="med" len="med"/>
-                      <a:tailEnd type="none" w="med" len="med"/>
-                    </a:lnL>
-                    <a:lnR w="12700" cap="flat" cmpd="sng" algn="ctr">
-                      <a:solidFill>
-                        <a:srgbClr val="FFFFFF"/>
-                      </a:solidFill>
-                      <a:prstDash val="solid"/>
-                      <a:round/>
-                      <a:headEnd type="none" w="med" len="med"/>
-                      <a:tailEnd type="none" w="med" len="med"/>
-                    </a:lnR>
-                    <a:lnT w="12700" cap="flat" cmpd="sng" algn="ctr">
-                      <a:solidFill>
-                        <a:srgbClr val="FFFFFF"/>
-                      </a:solidFill>
-                      <a:prstDash val="solid"/>
-                      <a:round/>
-                      <a:headEnd type="none" w="med" len="med"/>
-                      <a:tailEnd type="none" w="med" len="med"/>
-                    </a:lnT>
-                    <a:lnB w="12700" cap="flat" cmpd="sng" algn="ctr">
-                      <a:solidFill>
-                        <a:srgbClr val="FFFFFF"/>
-                      </a:solidFill>
-                      <a:prstDash val="solid"/>
-                      <a:round/>
-                      <a:headEnd type="none" w="med" len="med"/>
-                      <a:tailEnd type="none" w="med" len="med"/>
-                    </a:lnB>
-                    <a:solidFill>
-                      <a:schemeClr val="accent5"/>
-                    </a:solidFill>
-                  </a:tcPr>
-                </a:tc>
-                <a:tc>
-                  <a:txBody>
-                    <a:bodyPr/>
-                    <a:lstStyle/>
-                    <a:p>
-                      <a:r>
-                        <a:rPr lang="en-US" sz="1000" dirty="0">
-                          <a:latin typeface="Arial Unicode MS" panose="020B0604020202020204" pitchFamily="34" charset="-128"/>
-                        </a:rPr>
-                        <a:t>0</a:t>
-                      </a:r>
-                    </a:p>
-                  </a:txBody>
-                  <a:tcPr>
-                    <a:lnL w="12700" cap="flat" cmpd="sng" algn="ctr">
-                      <a:solidFill>
-                        <a:srgbClr val="FFFFFF"/>
-                      </a:solidFill>
-                      <a:prstDash val="solid"/>
-                      <a:round/>
-                      <a:headEnd type="none" w="med" len="med"/>
-                      <a:tailEnd type="none" w="med" len="med"/>
-                    </a:lnL>
-                    <a:lnR w="12700" cap="flat" cmpd="sng" algn="ctr">
-                      <a:solidFill>
-                        <a:srgbClr val="FFFFFF"/>
-                      </a:solidFill>
-                      <a:prstDash val="solid"/>
-                      <a:round/>
-                      <a:headEnd type="none" w="med" len="med"/>
-                      <a:tailEnd type="none" w="med" len="med"/>
-                    </a:lnR>
-                    <a:lnT w="12700" cap="flat" cmpd="sng" algn="ctr">
-                      <a:solidFill>
-                        <a:srgbClr val="FFFFFF"/>
-                      </a:solidFill>
-                      <a:prstDash val="solid"/>
-                      <a:round/>
-                      <a:headEnd type="none" w="med" len="med"/>
-                      <a:tailEnd type="none" w="med" len="med"/>
-                    </a:lnT>
-                    <a:lnB w="12700" cap="flat" cmpd="sng" algn="ctr">
-                      <a:solidFill>
-                        <a:srgbClr val="FFFFFF"/>
-                      </a:solidFill>
-                      <a:prstDash val="solid"/>
-                      <a:round/>
-                      <a:headEnd type="none" w="med" len="med"/>
-                      <a:tailEnd type="none" w="med" len="med"/>
-                    </a:lnB>
-                    <a:solidFill>
-                      <a:schemeClr val="accent5"/>
-                    </a:solidFill>
-                  </a:tcPr>
-                </a:tc>
-                <a:tc>
-                  <a:txBody>
-                    <a:bodyPr/>
-                    <a:lstStyle/>
-                    <a:p>
-                      <a:r>
-                        <a:rPr lang="en-US" sz="1000" dirty="0">
-                          <a:latin typeface="Arial Unicode MS" panose="020B0604020202020204" pitchFamily="34" charset="-128"/>
-                        </a:rPr>
-                        <a:t>0</a:t>
-                      </a:r>
-                    </a:p>
-                  </a:txBody>
-                  <a:tcPr>
-                    <a:lnL w="12700" cap="flat" cmpd="sng" algn="ctr">
-                      <a:solidFill>
-                        <a:srgbClr val="FFFFFF"/>
-                      </a:solidFill>
-                      <a:prstDash val="solid"/>
-                      <a:round/>
-                      <a:headEnd type="none" w="med" len="med"/>
-                      <a:tailEnd type="none" w="med" len="med"/>
-                    </a:lnL>
-                    <a:lnR w="12700" cap="flat" cmpd="sng" algn="ctr">
-                      <a:solidFill>
-                        <a:srgbClr val="FFFFFF"/>
-                      </a:solidFill>
-                      <a:prstDash val="solid"/>
-                      <a:round/>
-                      <a:headEnd type="none" w="med" len="med"/>
-                      <a:tailEnd type="none" w="med" len="med"/>
-                    </a:lnR>
-                    <a:lnT w="12700" cap="flat" cmpd="sng" algn="ctr">
-                      <a:solidFill>
-                        <a:srgbClr val="FFFFFF"/>
-                      </a:solidFill>
-                      <a:prstDash val="solid"/>
-                      <a:round/>
-                      <a:headEnd type="none" w="med" len="med"/>
-                      <a:tailEnd type="none" w="med" len="med"/>
-                    </a:lnT>
-                    <a:lnB w="12700" cap="flat" cmpd="sng" algn="ctr">
-                      <a:solidFill>
-                        <a:srgbClr val="FFFFFF"/>
-                      </a:solidFill>
-                      <a:prstDash val="solid"/>
-                      <a:round/>
-                      <a:headEnd type="none" w="med" len="med"/>
-                      <a:tailEnd type="none" w="med" len="med"/>
-                    </a:lnB>
-                    <a:solidFill>
-                      <a:schemeClr val="accent5"/>
-                    </a:solidFill>
-                  </a:tcPr>
-                </a:tc>
-                <a:extLst>
-                  <a:ext uri="{0D108BD9-81ED-4DB2-BD59-A6C34878D82A}">
-                    <a16:rowId xmlns:a16="http://schemas.microsoft.com/office/drawing/2014/main" val="10002"/>
-                  </a:ext>
-                </a:extLst>
-              </a:tr>
-              <a:tr h="370840">
-                <a:tc>
-                  <a:txBody>
-                    <a:bodyPr/>
-                    <a:lstStyle/>
-                    <a:p>
-                      <a:r>
-                        <a:rPr lang="en-US" sz="1000" dirty="0">
-                          <a:solidFill>
-                            <a:schemeClr val="bg1"/>
-                          </a:solidFill>
-                          <a:latin typeface="Arial Unicode MS" panose="020B0604020202020204" pitchFamily="34" charset="-128"/>
-                        </a:rPr>
-                        <a:t>Term3</a:t>
-                      </a:r>
-                    </a:p>
-                  </a:txBody>
-                  <a:tcPr>
-                    <a:lnL w="12700" cap="flat" cmpd="sng" algn="ctr">
-                      <a:solidFill>
-                        <a:srgbClr val="FFFFFF"/>
-                      </a:solidFill>
-                      <a:prstDash val="solid"/>
-                      <a:round/>
-                      <a:headEnd type="none" w="med" len="med"/>
-                      <a:tailEnd type="none" w="med" len="med"/>
-                    </a:lnL>
-                    <a:lnR w="12700" cap="flat" cmpd="sng" algn="ctr">
-                      <a:solidFill>
-                        <a:srgbClr val="FFFFFF"/>
-                      </a:solidFill>
-                      <a:prstDash val="solid"/>
-                      <a:round/>
-                      <a:headEnd type="none" w="med" len="med"/>
-                      <a:tailEnd type="none" w="med" len="med"/>
-                    </a:lnR>
-                    <a:lnT w="12700" cap="flat" cmpd="sng" algn="ctr">
-                      <a:solidFill>
-                        <a:srgbClr val="FFFFFF"/>
-                      </a:solidFill>
-                      <a:prstDash val="solid"/>
-                      <a:round/>
-                      <a:headEnd type="none" w="med" len="med"/>
-                      <a:tailEnd type="none" w="med" len="med"/>
-                    </a:lnT>
-                    <a:lnB w="12700" cap="flat" cmpd="sng" algn="ctr">
-                      <a:solidFill>
-                        <a:srgbClr val="FFFFFF"/>
-                      </a:solidFill>
-                      <a:prstDash val="solid"/>
-                      <a:round/>
-                      <a:headEnd type="none" w="med" len="med"/>
-                      <a:tailEnd type="none" w="med" len="med"/>
-                    </a:lnB>
-                    <a:solidFill>
-                      <a:schemeClr val="accent1"/>
-                    </a:solidFill>
-                  </a:tcPr>
-                </a:tc>
-                <a:tc>
-                  <a:txBody>
-                    <a:bodyPr/>
-                    <a:lstStyle/>
-                    <a:p>
-                      <a:r>
-                        <a:rPr lang="en-US" sz="1000" dirty="0">
-                          <a:latin typeface="Arial Unicode MS" panose="020B0604020202020204" pitchFamily="34" charset="-128"/>
-                        </a:rPr>
-                        <a:t>1</a:t>
-                      </a:r>
-                    </a:p>
-                  </a:txBody>
-                  <a:tcPr>
-                    <a:lnL w="12700" cap="flat" cmpd="sng" algn="ctr">
-                      <a:solidFill>
-                        <a:srgbClr val="FFFFFF"/>
-                      </a:solidFill>
-                      <a:prstDash val="solid"/>
-                      <a:round/>
-                      <a:headEnd type="none" w="med" len="med"/>
-                      <a:tailEnd type="none" w="med" len="med"/>
-                    </a:lnL>
-                    <a:lnR w="12700" cap="flat" cmpd="sng" algn="ctr">
-                      <a:solidFill>
-                        <a:srgbClr val="FFFFFF"/>
-                      </a:solidFill>
-                      <a:prstDash val="solid"/>
-                      <a:round/>
-                      <a:headEnd type="none" w="med" len="med"/>
-                      <a:tailEnd type="none" w="med" len="med"/>
-                    </a:lnR>
-                    <a:lnT w="12700" cap="flat" cmpd="sng" algn="ctr">
-                      <a:solidFill>
-                        <a:srgbClr val="FFFFFF"/>
-                      </a:solidFill>
-                      <a:prstDash val="solid"/>
-                      <a:round/>
-                      <a:headEnd type="none" w="med" len="med"/>
-                      <a:tailEnd type="none" w="med" len="med"/>
-                    </a:lnT>
-                    <a:lnB w="12700" cap="flat" cmpd="sng" algn="ctr">
-                      <a:solidFill>
-                        <a:srgbClr val="FFFFFF"/>
-                      </a:solidFill>
-                      <a:prstDash val="solid"/>
-                      <a:round/>
-                      <a:headEnd type="none" w="med" len="med"/>
-                      <a:tailEnd type="none" w="med" len="med"/>
-                    </a:lnB>
-                    <a:solidFill>
-                      <a:schemeClr val="accent5"/>
-                    </a:solidFill>
-                  </a:tcPr>
-                </a:tc>
-                <a:tc>
-                  <a:txBody>
-                    <a:bodyPr/>
-                    <a:lstStyle/>
-                    <a:p>
-                      <a:r>
-                        <a:rPr lang="en-US" sz="1000" dirty="0">
-                          <a:latin typeface="Arial Unicode MS" panose="020B0604020202020204" pitchFamily="34" charset="-128"/>
-                        </a:rPr>
-                        <a:t>0</a:t>
-                      </a:r>
-                    </a:p>
-                  </a:txBody>
-                  <a:tcPr>
-                    <a:lnL w="12700" cap="flat" cmpd="sng" algn="ctr">
-                      <a:solidFill>
-                        <a:srgbClr val="FFFFFF"/>
-                      </a:solidFill>
-                      <a:prstDash val="solid"/>
-                      <a:round/>
-                      <a:headEnd type="none" w="med" len="med"/>
-                      <a:tailEnd type="none" w="med" len="med"/>
-                    </a:lnL>
-                    <a:lnR w="12700" cap="flat" cmpd="sng" algn="ctr">
-                      <a:solidFill>
-                        <a:srgbClr val="FFFFFF"/>
-                      </a:solidFill>
-                      <a:prstDash val="solid"/>
-                      <a:round/>
-                      <a:headEnd type="none" w="med" len="med"/>
-                      <a:tailEnd type="none" w="med" len="med"/>
-                    </a:lnR>
-                    <a:lnT w="12700" cap="flat" cmpd="sng" algn="ctr">
-                      <a:solidFill>
-                        <a:srgbClr val="FFFFFF"/>
-                      </a:solidFill>
-                      <a:prstDash val="solid"/>
-                      <a:round/>
-                      <a:headEnd type="none" w="med" len="med"/>
-                      <a:tailEnd type="none" w="med" len="med"/>
-                    </a:lnT>
-                    <a:lnB w="12700" cap="flat" cmpd="sng" algn="ctr">
-                      <a:solidFill>
-                        <a:srgbClr val="FFFFFF"/>
-                      </a:solidFill>
-                      <a:prstDash val="solid"/>
-                      <a:round/>
-                      <a:headEnd type="none" w="med" len="med"/>
-                      <a:tailEnd type="none" w="med" len="med"/>
-                    </a:lnB>
-                    <a:solidFill>
-                      <a:schemeClr val="accent5"/>
-                    </a:solidFill>
-                  </a:tcPr>
-                </a:tc>
-                <a:tc>
-                  <a:txBody>
-                    <a:bodyPr/>
-                    <a:lstStyle/>
-                    <a:p>
-                      <a:r>
-                        <a:rPr lang="en-US" sz="1000" dirty="0">
-                          <a:latin typeface="Arial Unicode MS" panose="020B0604020202020204" pitchFamily="34" charset="-128"/>
-                        </a:rPr>
-                        <a:t>0</a:t>
-                      </a:r>
-                    </a:p>
-                  </a:txBody>
-                  <a:tcPr>
-                    <a:lnL w="12700" cap="flat" cmpd="sng" algn="ctr">
-                      <a:solidFill>
-                        <a:srgbClr val="FFFFFF"/>
-                      </a:solidFill>
-                      <a:prstDash val="solid"/>
-                      <a:round/>
-                      <a:headEnd type="none" w="med" len="med"/>
-                      <a:tailEnd type="none" w="med" len="med"/>
-                    </a:lnL>
-                    <a:lnR w="12700" cap="flat" cmpd="sng" algn="ctr">
-                      <a:solidFill>
-                        <a:srgbClr val="FFFFFF"/>
-                      </a:solidFill>
-                      <a:prstDash val="solid"/>
-                      <a:round/>
-                      <a:headEnd type="none" w="med" len="med"/>
-                      <a:tailEnd type="none" w="med" len="med"/>
-                    </a:lnR>
-                    <a:lnT w="12700" cap="flat" cmpd="sng" algn="ctr">
-                      <a:solidFill>
-                        <a:srgbClr val="FFFFFF"/>
-                      </a:solidFill>
-                      <a:prstDash val="solid"/>
-                      <a:round/>
-                      <a:headEnd type="none" w="med" len="med"/>
-                      <a:tailEnd type="none" w="med" len="med"/>
-                    </a:lnT>
-                    <a:lnB w="12700" cap="flat" cmpd="sng" algn="ctr">
-                      <a:solidFill>
-                        <a:srgbClr val="FFFFFF"/>
-                      </a:solidFill>
-                      <a:prstDash val="solid"/>
-                      <a:round/>
-                      <a:headEnd type="none" w="med" len="med"/>
-                      <a:tailEnd type="none" w="med" len="med"/>
-                    </a:lnB>
-                    <a:solidFill>
-                      <a:schemeClr val="accent5"/>
-                    </a:solidFill>
-                  </a:tcPr>
-                </a:tc>
-                <a:tc>
-                  <a:txBody>
-                    <a:bodyPr/>
-                    <a:lstStyle/>
-                    <a:p>
-                      <a:r>
-                        <a:rPr lang="en-US" sz="1000" dirty="0">
-                          <a:latin typeface="Arial Unicode MS" panose="020B0604020202020204" pitchFamily="34" charset="-128"/>
-                        </a:rPr>
-                        <a:t>2</a:t>
-                      </a:r>
-                    </a:p>
-                  </a:txBody>
-                  <a:tcPr>
-                    <a:lnL w="12700" cap="flat" cmpd="sng" algn="ctr">
-                      <a:solidFill>
-                        <a:srgbClr val="FFFFFF"/>
-                      </a:solidFill>
-                      <a:prstDash val="solid"/>
-                      <a:round/>
-                      <a:headEnd type="none" w="med" len="med"/>
-                      <a:tailEnd type="none" w="med" len="med"/>
-                    </a:lnL>
-                    <a:lnR w="12700" cap="flat" cmpd="sng" algn="ctr">
-                      <a:solidFill>
-                        <a:srgbClr val="FFFFFF"/>
-                      </a:solidFill>
-                      <a:prstDash val="solid"/>
-                      <a:round/>
-                      <a:headEnd type="none" w="med" len="med"/>
-                      <a:tailEnd type="none" w="med" len="med"/>
-                    </a:lnR>
-                    <a:lnT w="12700" cap="flat" cmpd="sng" algn="ctr">
-                      <a:solidFill>
-                        <a:srgbClr val="FFFFFF"/>
-                      </a:solidFill>
-                      <a:prstDash val="solid"/>
-                      <a:round/>
-                      <a:headEnd type="none" w="med" len="med"/>
-                      <a:tailEnd type="none" w="med" len="med"/>
-                    </a:lnT>
-                    <a:lnB w="12700" cap="flat" cmpd="sng" algn="ctr">
-                      <a:solidFill>
-                        <a:srgbClr val="FFFFFF"/>
-                      </a:solidFill>
-                      <a:prstDash val="solid"/>
-                      <a:round/>
-                      <a:headEnd type="none" w="med" len="med"/>
-                      <a:tailEnd type="none" w="med" len="med"/>
-                    </a:lnB>
-                    <a:solidFill>
-                      <a:schemeClr val="accent5"/>
-                    </a:solidFill>
-                  </a:tcPr>
-                </a:tc>
-                <a:tc>
-                  <a:txBody>
-                    <a:bodyPr/>
-                    <a:lstStyle/>
-                    <a:p>
-                      <a:r>
-                        <a:rPr lang="en-US" sz="1000" dirty="0">
-                          <a:latin typeface="Arial Unicode MS" panose="020B0604020202020204" pitchFamily="34" charset="-128"/>
-                        </a:rPr>
-                        <a:t>0</a:t>
-                      </a:r>
-                    </a:p>
-                  </a:txBody>
-                  <a:tcPr>
-                    <a:lnL w="12700" cap="flat" cmpd="sng" algn="ctr">
-                      <a:solidFill>
-                        <a:srgbClr val="FFFFFF"/>
-                      </a:solidFill>
-                      <a:prstDash val="solid"/>
-                      <a:round/>
-                      <a:headEnd type="none" w="med" len="med"/>
-                      <a:tailEnd type="none" w="med" len="med"/>
-                    </a:lnL>
-                    <a:lnR w="12700" cap="flat" cmpd="sng" algn="ctr">
-                      <a:solidFill>
-                        <a:srgbClr val="FFFFFF"/>
-                      </a:solidFill>
-                      <a:prstDash val="solid"/>
-                      <a:round/>
-                      <a:headEnd type="none" w="med" len="med"/>
-                      <a:tailEnd type="none" w="med" len="med"/>
-                    </a:lnR>
-                    <a:lnT w="12700" cap="flat" cmpd="sng" algn="ctr">
-                      <a:solidFill>
-                        <a:srgbClr val="FFFFFF"/>
-                      </a:solidFill>
-                      <a:prstDash val="solid"/>
-                      <a:round/>
-                      <a:headEnd type="none" w="med" len="med"/>
-                      <a:tailEnd type="none" w="med" len="med"/>
-                    </a:lnT>
-                    <a:lnB w="12700" cap="flat" cmpd="sng" algn="ctr">
-                      <a:solidFill>
-                        <a:srgbClr val="FFFFFF"/>
-                      </a:solidFill>
-                      <a:prstDash val="solid"/>
-                      <a:round/>
-                      <a:headEnd type="none" w="med" len="med"/>
-                      <a:tailEnd type="none" w="med" len="med"/>
-                    </a:lnB>
-                    <a:solidFill>
-                      <a:schemeClr val="accent5"/>
-                    </a:solidFill>
-                  </a:tcPr>
-                </a:tc>
-                <a:tc>
-                  <a:txBody>
-                    <a:bodyPr/>
-                    <a:lstStyle/>
-                    <a:p>
-                      <a:r>
-                        <a:rPr lang="en-US" sz="1000" dirty="0">
-                          <a:latin typeface="Arial Unicode MS" panose="020B0604020202020204" pitchFamily="34" charset="-128"/>
-                        </a:rPr>
-                        <a:t>0</a:t>
-                      </a:r>
-                    </a:p>
-                  </a:txBody>
-                  <a:tcPr>
-                    <a:lnL w="12700" cap="flat" cmpd="sng" algn="ctr">
-                      <a:solidFill>
-                        <a:srgbClr val="FFFFFF"/>
-                      </a:solidFill>
-                      <a:prstDash val="solid"/>
-                      <a:round/>
-                      <a:headEnd type="none" w="med" len="med"/>
-                      <a:tailEnd type="none" w="med" len="med"/>
-                    </a:lnL>
-                    <a:lnR w="12700" cap="flat" cmpd="sng" algn="ctr">
-                      <a:solidFill>
-                        <a:srgbClr val="FFFFFF"/>
-                      </a:solidFill>
-                      <a:prstDash val="solid"/>
-                      <a:round/>
-                      <a:headEnd type="none" w="med" len="med"/>
-                      <a:tailEnd type="none" w="med" len="med"/>
-                    </a:lnR>
-                    <a:lnT w="12700" cap="flat" cmpd="sng" algn="ctr">
-                      <a:solidFill>
-                        <a:srgbClr val="FFFFFF"/>
-                      </a:solidFill>
-                      <a:prstDash val="solid"/>
-                      <a:round/>
-                      <a:headEnd type="none" w="med" len="med"/>
-                      <a:tailEnd type="none" w="med" len="med"/>
-                    </a:lnT>
-                    <a:lnB w="12700" cap="flat" cmpd="sng" algn="ctr">
-                      <a:solidFill>
-                        <a:srgbClr val="FFFFFF"/>
-                      </a:solidFill>
-                      <a:prstDash val="solid"/>
-                      <a:round/>
-                      <a:headEnd type="none" w="med" len="med"/>
-                      <a:tailEnd type="none" w="med" len="med"/>
-                    </a:lnB>
-                    <a:solidFill>
-                      <a:schemeClr val="accent5"/>
-                    </a:solidFill>
-                  </a:tcPr>
-                </a:tc>
-                <a:extLst>
-                  <a:ext uri="{0D108BD9-81ED-4DB2-BD59-A6C34878D82A}">
-                    <a16:rowId xmlns:a16="http://schemas.microsoft.com/office/drawing/2014/main" val="10003"/>
-                  </a:ext>
-                </a:extLst>
-              </a:tr>
-              <a:tr h="370840">
-                <a:tc>
-                  <a:txBody>
-                    <a:bodyPr/>
-                    <a:lstStyle/>
-                    <a:p>
-                      <a:r>
-                        <a:rPr lang="en-US" sz="1000" dirty="0">
-                          <a:solidFill>
-                            <a:schemeClr val="bg1"/>
-                          </a:solidFill>
-                          <a:latin typeface="Arial Unicode MS" panose="020B0604020202020204" pitchFamily="34" charset="-128"/>
-                        </a:rPr>
-                        <a:t>…</a:t>
-                      </a:r>
-                    </a:p>
-                  </a:txBody>
-                  <a:tcPr>
-                    <a:lnL w="12700" cap="flat" cmpd="sng" algn="ctr">
-                      <a:solidFill>
-                        <a:srgbClr val="FFFFFF"/>
-                      </a:solidFill>
-                      <a:prstDash val="solid"/>
-                      <a:round/>
-                      <a:headEnd type="none" w="med" len="med"/>
-                      <a:tailEnd type="none" w="med" len="med"/>
-                    </a:lnL>
-                    <a:lnR w="12700" cap="flat" cmpd="sng" algn="ctr">
-                      <a:solidFill>
-                        <a:srgbClr val="FFFFFF"/>
-                      </a:solidFill>
-                      <a:prstDash val="solid"/>
-                      <a:round/>
-                      <a:headEnd type="none" w="med" len="med"/>
-                      <a:tailEnd type="none" w="med" len="med"/>
-                    </a:lnR>
-                    <a:lnT w="12700" cap="flat" cmpd="sng" algn="ctr">
-                      <a:solidFill>
-                        <a:srgbClr val="FFFFFF"/>
-                      </a:solidFill>
-                      <a:prstDash val="solid"/>
-                      <a:round/>
-                      <a:headEnd type="none" w="med" len="med"/>
-                      <a:tailEnd type="none" w="med" len="med"/>
-                    </a:lnT>
-                    <a:lnB w="12700" cap="flat" cmpd="sng" algn="ctr">
-                      <a:solidFill>
-                        <a:srgbClr val="FFFFFF"/>
-                      </a:solidFill>
-                      <a:prstDash val="solid"/>
-                      <a:round/>
-                      <a:headEnd type="none" w="med" len="med"/>
-                      <a:tailEnd type="none" w="med" len="med"/>
-                    </a:lnB>
-                    <a:solidFill>
-                      <a:schemeClr val="accent1"/>
-                    </a:solidFill>
-                  </a:tcPr>
-                </a:tc>
-                <a:tc>
-                  <a:txBody>
-                    <a:bodyPr/>
-                    <a:lstStyle/>
-                    <a:p>
-                      <a:r>
-                        <a:rPr lang="en-US" sz="1000" dirty="0">
-                          <a:latin typeface="Arial Unicode MS" panose="020B0604020202020204" pitchFamily="34" charset="-128"/>
-                        </a:rPr>
-                        <a:t>0</a:t>
-                      </a:r>
-                    </a:p>
-                  </a:txBody>
-                  <a:tcPr>
-                    <a:lnL w="12700" cap="flat" cmpd="sng" algn="ctr">
-                      <a:solidFill>
-                        <a:srgbClr val="FFFFFF"/>
-                      </a:solidFill>
-                      <a:prstDash val="solid"/>
-                      <a:round/>
-                      <a:headEnd type="none" w="med" len="med"/>
-                      <a:tailEnd type="none" w="med" len="med"/>
-                    </a:lnL>
-                    <a:lnR w="12700" cap="flat" cmpd="sng" algn="ctr">
-                      <a:solidFill>
-                        <a:srgbClr val="FFFFFF"/>
-                      </a:solidFill>
-                      <a:prstDash val="solid"/>
-                      <a:round/>
-                      <a:headEnd type="none" w="med" len="med"/>
-                      <a:tailEnd type="none" w="med" len="med"/>
-                    </a:lnR>
-                    <a:lnT w="12700" cap="flat" cmpd="sng" algn="ctr">
-                      <a:solidFill>
-                        <a:srgbClr val="FFFFFF"/>
-                      </a:solidFill>
-                      <a:prstDash val="solid"/>
-                      <a:round/>
-                      <a:headEnd type="none" w="med" len="med"/>
-                      <a:tailEnd type="none" w="med" len="med"/>
-                    </a:lnT>
-                    <a:lnB w="12700" cap="flat" cmpd="sng" algn="ctr">
-                      <a:solidFill>
-                        <a:srgbClr val="FFFFFF"/>
-                      </a:solidFill>
-                      <a:prstDash val="solid"/>
-                      <a:round/>
-                      <a:headEnd type="none" w="med" len="med"/>
-                      <a:tailEnd type="none" w="med" len="med"/>
-                    </a:lnB>
-                    <a:solidFill>
-                      <a:schemeClr val="accent5"/>
-                    </a:solidFill>
-                  </a:tcPr>
-                </a:tc>
-                <a:tc>
-                  <a:txBody>
-                    <a:bodyPr/>
-                    <a:lstStyle/>
-                    <a:p>
-                      <a:r>
-                        <a:rPr lang="en-US" sz="1000" dirty="0">
-                          <a:latin typeface="Arial Unicode MS" panose="020B0604020202020204" pitchFamily="34" charset="-128"/>
-                        </a:rPr>
-                        <a:t>0</a:t>
-                      </a:r>
-                    </a:p>
-                  </a:txBody>
-                  <a:tcPr>
-                    <a:lnL w="12700" cap="flat" cmpd="sng" algn="ctr">
-                      <a:solidFill>
-                        <a:srgbClr val="FFFFFF"/>
-                      </a:solidFill>
-                      <a:prstDash val="solid"/>
-                      <a:round/>
-                      <a:headEnd type="none" w="med" len="med"/>
-                      <a:tailEnd type="none" w="med" len="med"/>
-                    </a:lnL>
-                    <a:lnR w="12700" cap="flat" cmpd="sng" algn="ctr">
-                      <a:solidFill>
-                        <a:srgbClr val="FFFFFF"/>
-                      </a:solidFill>
-                      <a:prstDash val="solid"/>
-                      <a:round/>
-                      <a:headEnd type="none" w="med" len="med"/>
-                      <a:tailEnd type="none" w="med" len="med"/>
-                    </a:lnR>
-                    <a:lnT w="12700" cap="flat" cmpd="sng" algn="ctr">
-                      <a:solidFill>
-                        <a:srgbClr val="FFFFFF"/>
-                      </a:solidFill>
-                      <a:prstDash val="solid"/>
-                      <a:round/>
-                      <a:headEnd type="none" w="med" len="med"/>
-                      <a:tailEnd type="none" w="med" len="med"/>
-                    </a:lnT>
-                    <a:lnB w="12700" cap="flat" cmpd="sng" algn="ctr">
-                      <a:solidFill>
-                        <a:srgbClr val="FFFFFF"/>
-                      </a:solidFill>
-                      <a:prstDash val="solid"/>
-                      <a:round/>
-                      <a:headEnd type="none" w="med" len="med"/>
-                      <a:tailEnd type="none" w="med" len="med"/>
-                    </a:lnB>
-                    <a:solidFill>
-                      <a:schemeClr val="accent5"/>
-                    </a:solidFill>
-                  </a:tcPr>
-                </a:tc>
-                <a:tc>
-                  <a:txBody>
-                    <a:bodyPr/>
-                    <a:lstStyle/>
-                    <a:p>
-                      <a:r>
-                        <a:rPr lang="en-US" sz="1000" dirty="0">
-                          <a:latin typeface="Arial Unicode MS" panose="020B0604020202020204" pitchFamily="34" charset="-128"/>
-                        </a:rPr>
-                        <a:t>3</a:t>
-                      </a:r>
-                    </a:p>
-                  </a:txBody>
-                  <a:tcPr>
-                    <a:lnL w="12700" cap="flat" cmpd="sng" algn="ctr">
-                      <a:solidFill>
-                        <a:srgbClr val="FFFFFF"/>
-                      </a:solidFill>
-                      <a:prstDash val="solid"/>
-                      <a:round/>
-                      <a:headEnd type="none" w="med" len="med"/>
-                      <a:tailEnd type="none" w="med" len="med"/>
-                    </a:lnL>
-                    <a:lnR w="12700" cap="flat" cmpd="sng" algn="ctr">
-                      <a:solidFill>
-                        <a:srgbClr val="FFFFFF"/>
-                      </a:solidFill>
-                      <a:prstDash val="solid"/>
-                      <a:round/>
-                      <a:headEnd type="none" w="med" len="med"/>
-                      <a:tailEnd type="none" w="med" len="med"/>
-                    </a:lnR>
-                    <a:lnT w="12700" cap="flat" cmpd="sng" algn="ctr">
-                      <a:solidFill>
-                        <a:srgbClr val="FFFFFF"/>
-                      </a:solidFill>
-                      <a:prstDash val="solid"/>
-                      <a:round/>
-                      <a:headEnd type="none" w="med" len="med"/>
-                      <a:tailEnd type="none" w="med" len="med"/>
-                    </a:lnT>
-                    <a:lnB w="12700" cap="flat" cmpd="sng" algn="ctr">
-                      <a:solidFill>
-                        <a:srgbClr val="FFFFFF"/>
-                      </a:solidFill>
-                      <a:prstDash val="solid"/>
-                      <a:round/>
-                      <a:headEnd type="none" w="med" len="med"/>
-                      <a:tailEnd type="none" w="med" len="med"/>
-                    </a:lnB>
-                    <a:solidFill>
-                      <a:schemeClr val="accent5"/>
-                    </a:solidFill>
-                  </a:tcPr>
-                </a:tc>
-                <a:tc>
-                  <a:txBody>
-                    <a:bodyPr/>
-                    <a:lstStyle/>
-                    <a:p>
-                      <a:r>
-                        <a:rPr lang="en-US" sz="1000" dirty="0">
-                          <a:latin typeface="Arial Unicode MS" panose="020B0604020202020204" pitchFamily="34" charset="-128"/>
-                        </a:rPr>
-                        <a:t>0</a:t>
-                      </a:r>
-                    </a:p>
-                  </a:txBody>
-                  <a:tcPr>
-                    <a:lnL w="12700" cap="flat" cmpd="sng" algn="ctr">
-                      <a:solidFill>
-                        <a:srgbClr val="FFFFFF"/>
-                      </a:solidFill>
-                      <a:prstDash val="solid"/>
-                      <a:round/>
-                      <a:headEnd type="none" w="med" len="med"/>
-                      <a:tailEnd type="none" w="med" len="med"/>
-                    </a:lnL>
-                    <a:lnR w="12700" cap="flat" cmpd="sng" algn="ctr">
-                      <a:solidFill>
-                        <a:srgbClr val="FFFFFF"/>
-                      </a:solidFill>
-                      <a:prstDash val="solid"/>
-                      <a:round/>
-                      <a:headEnd type="none" w="med" len="med"/>
-                      <a:tailEnd type="none" w="med" len="med"/>
-                    </a:lnR>
-                    <a:lnT w="12700" cap="flat" cmpd="sng" algn="ctr">
-                      <a:solidFill>
-                        <a:srgbClr val="FFFFFF"/>
-                      </a:solidFill>
-                      <a:prstDash val="solid"/>
-                      <a:round/>
-                      <a:headEnd type="none" w="med" len="med"/>
-                      <a:tailEnd type="none" w="med" len="med"/>
-                    </a:lnT>
-                    <a:lnB w="12700" cap="flat" cmpd="sng" algn="ctr">
-                      <a:solidFill>
-                        <a:srgbClr val="FFFFFF"/>
-                      </a:solidFill>
-                      <a:prstDash val="solid"/>
-                      <a:round/>
-                      <a:headEnd type="none" w="med" len="med"/>
-                      <a:tailEnd type="none" w="med" len="med"/>
-                    </a:lnB>
-                    <a:solidFill>
-                      <a:schemeClr val="accent5"/>
-                    </a:solidFill>
-                  </a:tcPr>
-                </a:tc>
-                <a:tc>
-                  <a:txBody>
-                    <a:bodyPr/>
-                    <a:lstStyle/>
-                    <a:p>
-                      <a:r>
-                        <a:rPr lang="en-US" sz="1000" dirty="0">
-                          <a:latin typeface="Arial Unicode MS" panose="020B0604020202020204" pitchFamily="34" charset="-128"/>
-                        </a:rPr>
-                        <a:t>1</a:t>
-                      </a:r>
-                    </a:p>
-                  </a:txBody>
-                  <a:tcPr>
-                    <a:lnL w="12700" cap="flat" cmpd="sng" algn="ctr">
-                      <a:solidFill>
-                        <a:srgbClr val="FFFFFF"/>
-                      </a:solidFill>
-                      <a:prstDash val="solid"/>
-                      <a:round/>
-                      <a:headEnd type="none" w="med" len="med"/>
-                      <a:tailEnd type="none" w="med" len="med"/>
-                    </a:lnL>
-                    <a:lnR w="12700" cap="flat" cmpd="sng" algn="ctr">
-                      <a:solidFill>
-                        <a:srgbClr val="FFFFFF"/>
-                      </a:solidFill>
-                      <a:prstDash val="solid"/>
-                      <a:round/>
-                      <a:headEnd type="none" w="med" len="med"/>
-                      <a:tailEnd type="none" w="med" len="med"/>
-                    </a:lnR>
-                    <a:lnT w="12700" cap="flat" cmpd="sng" algn="ctr">
-                      <a:solidFill>
-                        <a:srgbClr val="FFFFFF"/>
-                      </a:solidFill>
-                      <a:prstDash val="solid"/>
-                      <a:round/>
-                      <a:headEnd type="none" w="med" len="med"/>
-                      <a:tailEnd type="none" w="med" len="med"/>
-                    </a:lnT>
-                    <a:lnB w="12700" cap="flat" cmpd="sng" algn="ctr">
-                      <a:solidFill>
-                        <a:srgbClr val="FFFFFF"/>
-                      </a:solidFill>
-                      <a:prstDash val="solid"/>
-                      <a:round/>
-                      <a:headEnd type="none" w="med" len="med"/>
-                      <a:tailEnd type="none" w="med" len="med"/>
-                    </a:lnB>
-                    <a:solidFill>
-                      <a:schemeClr val="accent5"/>
-                    </a:solidFill>
-                  </a:tcPr>
-                </a:tc>
-                <a:tc>
-                  <a:txBody>
-                    <a:bodyPr/>
-                    <a:lstStyle/>
-                    <a:p>
-                      <a:r>
-                        <a:rPr lang="en-US" sz="1000" dirty="0">
-                          <a:latin typeface="Arial Unicode MS" panose="020B0604020202020204" pitchFamily="34" charset="-128"/>
-                        </a:rPr>
-                        <a:t>1</a:t>
-                      </a:r>
-                    </a:p>
-                  </a:txBody>
-                  <a:tcPr>
-                    <a:lnL w="12700" cap="flat" cmpd="sng" algn="ctr">
-                      <a:solidFill>
-                        <a:srgbClr val="FFFFFF"/>
-                      </a:solidFill>
-                      <a:prstDash val="solid"/>
-                      <a:round/>
-                      <a:headEnd type="none" w="med" len="med"/>
-                      <a:tailEnd type="none" w="med" len="med"/>
-                    </a:lnL>
-                    <a:lnR w="12700" cap="flat" cmpd="sng" algn="ctr">
-                      <a:solidFill>
-                        <a:srgbClr val="FFFFFF"/>
-                      </a:solidFill>
-                      <a:prstDash val="solid"/>
-                      <a:round/>
-                      <a:headEnd type="none" w="med" len="med"/>
-                      <a:tailEnd type="none" w="med" len="med"/>
-                    </a:lnR>
-                    <a:lnT w="12700" cap="flat" cmpd="sng" algn="ctr">
-                      <a:solidFill>
-                        <a:srgbClr val="FFFFFF"/>
-                      </a:solidFill>
-                      <a:prstDash val="solid"/>
-                      <a:round/>
-                      <a:headEnd type="none" w="med" len="med"/>
-                      <a:tailEnd type="none" w="med" len="med"/>
-                    </a:lnT>
-                    <a:lnB w="12700" cap="flat" cmpd="sng" algn="ctr">
-                      <a:solidFill>
-                        <a:srgbClr val="FFFFFF"/>
-                      </a:solidFill>
-                      <a:prstDash val="solid"/>
-                      <a:round/>
-                      <a:headEnd type="none" w="med" len="med"/>
-                      <a:tailEnd type="none" w="med" len="med"/>
-                    </a:lnB>
-                    <a:solidFill>
-                      <a:schemeClr val="accent5"/>
-                    </a:solidFill>
-                  </a:tcPr>
-                </a:tc>
-                <a:extLst>
-                  <a:ext uri="{0D108BD9-81ED-4DB2-BD59-A6C34878D82A}">
-                    <a16:rowId xmlns:a16="http://schemas.microsoft.com/office/drawing/2014/main" val="10004"/>
-                  </a:ext>
-                </a:extLst>
-              </a:tr>
-              <a:tr h="370840">
-                <a:tc>
-                  <a:txBody>
-                    <a:bodyPr/>
-                    <a:lstStyle/>
-                    <a:p>
-                      <a:r>
-                        <a:rPr lang="en-US" sz="1000" dirty="0">
-                          <a:solidFill>
-                            <a:schemeClr val="bg1"/>
-                          </a:solidFill>
-                          <a:latin typeface="Arial Unicode MS" panose="020B0604020202020204" pitchFamily="34" charset="-128"/>
-                        </a:rPr>
-                        <a:t>Term_n</a:t>
-                      </a:r>
-                    </a:p>
-                  </a:txBody>
-                  <a:tcPr>
-                    <a:lnL w="12700" cap="flat" cmpd="sng" algn="ctr">
-                      <a:solidFill>
-                        <a:srgbClr val="FFFFFF"/>
-                      </a:solidFill>
-                      <a:prstDash val="solid"/>
-                      <a:round/>
-                      <a:headEnd type="none" w="med" len="med"/>
-                      <a:tailEnd type="none" w="med" len="med"/>
-                    </a:lnL>
-                    <a:lnR w="12700" cap="flat" cmpd="sng" algn="ctr">
-                      <a:solidFill>
-                        <a:srgbClr val="FFFFFF"/>
-                      </a:solidFill>
-                      <a:prstDash val="solid"/>
-                      <a:round/>
-                      <a:headEnd type="none" w="med" len="med"/>
-                      <a:tailEnd type="none" w="med" len="med"/>
-                    </a:lnR>
-                    <a:lnT w="12700" cap="flat" cmpd="sng" algn="ctr">
-                      <a:solidFill>
-                        <a:srgbClr val="FFFFFF"/>
-                      </a:solidFill>
-                      <a:prstDash val="solid"/>
-                      <a:round/>
-                      <a:headEnd type="none" w="med" len="med"/>
-                      <a:tailEnd type="none" w="med" len="med"/>
-                    </a:lnT>
-                    <a:lnB w="12700" cap="flat" cmpd="sng" algn="ctr">
-                      <a:solidFill>
-                        <a:srgbClr val="FFFFFF"/>
-                      </a:solidFill>
-                      <a:prstDash val="solid"/>
-                      <a:round/>
-                      <a:headEnd type="none" w="med" len="med"/>
-                      <a:tailEnd type="none" w="med" len="med"/>
-                    </a:lnB>
-                    <a:solidFill>
-                      <a:schemeClr val="accent1"/>
-                    </a:solidFill>
-                  </a:tcPr>
-                </a:tc>
-                <a:tc>
-                  <a:txBody>
-                    <a:bodyPr/>
-                    <a:lstStyle/>
-                    <a:p>
-                      <a:r>
-                        <a:rPr lang="en-US" sz="1000" dirty="0">
-                          <a:latin typeface="Arial Unicode MS" panose="020B0604020202020204" pitchFamily="34" charset="-128"/>
-                        </a:rPr>
-                        <a:t>0</a:t>
-                      </a:r>
-                    </a:p>
-                  </a:txBody>
-                  <a:tcPr>
-                    <a:lnL w="12700" cap="flat" cmpd="sng" algn="ctr">
-                      <a:solidFill>
-                        <a:srgbClr val="FFFFFF"/>
-                      </a:solidFill>
-                      <a:prstDash val="solid"/>
-                      <a:round/>
-                      <a:headEnd type="none" w="med" len="med"/>
-                      <a:tailEnd type="none" w="med" len="med"/>
-                    </a:lnL>
-                    <a:lnR w="12700" cap="flat" cmpd="sng" algn="ctr">
-                      <a:solidFill>
-                        <a:srgbClr val="FFFFFF"/>
-                      </a:solidFill>
-                      <a:prstDash val="solid"/>
-                      <a:round/>
-                      <a:headEnd type="none" w="med" len="med"/>
-                      <a:tailEnd type="none" w="med" len="med"/>
-                    </a:lnR>
-                    <a:lnT w="12700" cap="flat" cmpd="sng" algn="ctr">
-                      <a:solidFill>
-                        <a:srgbClr val="FFFFFF"/>
-                      </a:solidFill>
-                      <a:prstDash val="solid"/>
-                      <a:round/>
-                      <a:headEnd type="none" w="med" len="med"/>
-                      <a:tailEnd type="none" w="med" len="med"/>
-                    </a:lnT>
-                    <a:lnB w="12700" cap="flat" cmpd="sng" algn="ctr">
-                      <a:solidFill>
-                        <a:srgbClr val="FFFFFF"/>
-                      </a:solidFill>
-                      <a:prstDash val="solid"/>
-                      <a:round/>
-                      <a:headEnd type="none" w="med" len="med"/>
-                      <a:tailEnd type="none" w="med" len="med"/>
-                    </a:lnB>
-                    <a:solidFill>
-                      <a:schemeClr val="accent5"/>
-                    </a:solidFill>
-                  </a:tcPr>
-                </a:tc>
-                <a:tc>
-                  <a:txBody>
-                    <a:bodyPr/>
-                    <a:lstStyle/>
-                    <a:p>
-                      <a:r>
-                        <a:rPr lang="en-US" sz="1000" dirty="0">
-                          <a:latin typeface="Arial Unicode MS" panose="020B0604020202020204" pitchFamily="34" charset="-128"/>
-                        </a:rPr>
-                        <a:t>0</a:t>
-                      </a:r>
-                    </a:p>
-                  </a:txBody>
-                  <a:tcPr>
-                    <a:lnL w="12700" cap="flat" cmpd="sng" algn="ctr">
-                      <a:solidFill>
-                        <a:srgbClr val="FFFFFF"/>
-                      </a:solidFill>
-                      <a:prstDash val="solid"/>
-                      <a:round/>
-                      <a:headEnd type="none" w="med" len="med"/>
-                      <a:tailEnd type="none" w="med" len="med"/>
-                    </a:lnL>
-                    <a:lnR w="12700" cap="flat" cmpd="sng" algn="ctr">
-                      <a:solidFill>
-                        <a:srgbClr val="FFFFFF"/>
-                      </a:solidFill>
-                      <a:prstDash val="solid"/>
-                      <a:round/>
-                      <a:headEnd type="none" w="med" len="med"/>
-                      <a:tailEnd type="none" w="med" len="med"/>
-                    </a:lnR>
-                    <a:lnT w="12700" cap="flat" cmpd="sng" algn="ctr">
-                      <a:solidFill>
-                        <a:srgbClr val="FFFFFF"/>
-                      </a:solidFill>
-                      <a:prstDash val="solid"/>
-                      <a:round/>
-                      <a:headEnd type="none" w="med" len="med"/>
-                      <a:tailEnd type="none" w="med" len="med"/>
-                    </a:lnT>
-                    <a:lnB w="12700" cap="flat" cmpd="sng" algn="ctr">
-                      <a:solidFill>
-                        <a:srgbClr val="FFFFFF"/>
-                      </a:solidFill>
-                      <a:prstDash val="solid"/>
-                      <a:round/>
-                      <a:headEnd type="none" w="med" len="med"/>
-                      <a:tailEnd type="none" w="med" len="med"/>
-                    </a:lnB>
-                    <a:solidFill>
-                      <a:schemeClr val="accent5"/>
-                    </a:solidFill>
-                  </a:tcPr>
-                </a:tc>
-                <a:tc>
-                  <a:txBody>
-                    <a:bodyPr/>
-                    <a:lstStyle/>
-                    <a:p>
-                      <a:r>
-                        <a:rPr lang="en-US" sz="1000" dirty="0">
-                          <a:latin typeface="Arial Unicode MS" panose="020B0604020202020204" pitchFamily="34" charset="-128"/>
-                        </a:rPr>
-                        <a:t>0</a:t>
-                      </a:r>
-                    </a:p>
-                  </a:txBody>
-                  <a:tcPr>
-                    <a:lnL w="12700" cap="flat" cmpd="sng" algn="ctr">
-                      <a:solidFill>
-                        <a:srgbClr val="FFFFFF"/>
-                      </a:solidFill>
-                      <a:prstDash val="solid"/>
-                      <a:round/>
-                      <a:headEnd type="none" w="med" len="med"/>
-                      <a:tailEnd type="none" w="med" len="med"/>
-                    </a:lnL>
-                    <a:lnR w="12700" cap="flat" cmpd="sng" algn="ctr">
-                      <a:solidFill>
-                        <a:srgbClr val="FFFFFF"/>
-                      </a:solidFill>
-                      <a:prstDash val="solid"/>
-                      <a:round/>
-                      <a:headEnd type="none" w="med" len="med"/>
-                      <a:tailEnd type="none" w="med" len="med"/>
-                    </a:lnR>
-                    <a:lnT w="12700" cap="flat" cmpd="sng" algn="ctr">
-                      <a:solidFill>
-                        <a:srgbClr val="FFFFFF"/>
-                      </a:solidFill>
-                      <a:prstDash val="solid"/>
-                      <a:round/>
-                      <a:headEnd type="none" w="med" len="med"/>
-                      <a:tailEnd type="none" w="med" len="med"/>
-                    </a:lnT>
-                    <a:lnB w="12700" cap="flat" cmpd="sng" algn="ctr">
-                      <a:solidFill>
-                        <a:srgbClr val="FFFFFF"/>
-                      </a:solidFill>
-                      <a:prstDash val="solid"/>
-                      <a:round/>
-                      <a:headEnd type="none" w="med" len="med"/>
-                      <a:tailEnd type="none" w="med" len="med"/>
-                    </a:lnB>
-                    <a:solidFill>
-                      <a:schemeClr val="accent5"/>
-                    </a:solidFill>
-                  </a:tcPr>
-                </a:tc>
-                <a:tc>
-                  <a:txBody>
-                    <a:bodyPr/>
-                    <a:lstStyle/>
-                    <a:p>
-                      <a:r>
-                        <a:rPr lang="en-US" sz="1000" dirty="0">
-                          <a:latin typeface="Arial Unicode MS" panose="020B0604020202020204" pitchFamily="34" charset="-128"/>
-                        </a:rPr>
-                        <a:t>1</a:t>
-                      </a:r>
-                    </a:p>
-                  </a:txBody>
-                  <a:tcPr>
-                    <a:lnL w="12700" cap="flat" cmpd="sng" algn="ctr">
-                      <a:solidFill>
-                        <a:srgbClr val="FFFFFF"/>
-                      </a:solidFill>
-                      <a:prstDash val="solid"/>
-                      <a:round/>
-                      <a:headEnd type="none" w="med" len="med"/>
-                      <a:tailEnd type="none" w="med" len="med"/>
-                    </a:lnL>
-                    <a:lnR w="12700" cap="flat" cmpd="sng" algn="ctr">
-                      <a:solidFill>
-                        <a:srgbClr val="FFFFFF"/>
-                      </a:solidFill>
-                      <a:prstDash val="solid"/>
-                      <a:round/>
-                      <a:headEnd type="none" w="med" len="med"/>
-                      <a:tailEnd type="none" w="med" len="med"/>
-                    </a:lnR>
-                    <a:lnT w="12700" cap="flat" cmpd="sng" algn="ctr">
-                      <a:solidFill>
-                        <a:srgbClr val="FFFFFF"/>
-                      </a:solidFill>
-                      <a:prstDash val="solid"/>
-                      <a:round/>
-                      <a:headEnd type="none" w="med" len="med"/>
-                      <a:tailEnd type="none" w="med" len="med"/>
-                    </a:lnT>
-                    <a:lnB w="12700" cap="flat" cmpd="sng" algn="ctr">
-                      <a:solidFill>
-                        <a:srgbClr val="FFFFFF"/>
-                      </a:solidFill>
-                      <a:prstDash val="solid"/>
-                      <a:round/>
-                      <a:headEnd type="none" w="med" len="med"/>
-                      <a:tailEnd type="none" w="med" len="med"/>
-                    </a:lnB>
-                    <a:solidFill>
-                      <a:schemeClr val="accent5"/>
-                    </a:solidFill>
-                  </a:tcPr>
-                </a:tc>
-                <a:tc>
-                  <a:txBody>
-                    <a:bodyPr/>
-                    <a:lstStyle/>
-                    <a:p>
-                      <a:r>
-                        <a:rPr lang="en-US" sz="1000" dirty="0">
-                          <a:latin typeface="Arial Unicode MS" panose="020B0604020202020204" pitchFamily="34" charset="-128"/>
-                        </a:rPr>
-                        <a:t>1</a:t>
-                      </a:r>
-                    </a:p>
-                  </a:txBody>
-                  <a:tcPr>
-                    <a:lnL w="12700" cap="flat" cmpd="sng" algn="ctr">
-                      <a:solidFill>
-                        <a:srgbClr val="FFFFFF"/>
-                      </a:solidFill>
-                      <a:prstDash val="solid"/>
-                      <a:round/>
-                      <a:headEnd type="none" w="med" len="med"/>
-                      <a:tailEnd type="none" w="med" len="med"/>
-                    </a:lnL>
-                    <a:lnR w="12700" cap="flat" cmpd="sng" algn="ctr">
-                      <a:solidFill>
-                        <a:srgbClr val="FFFFFF"/>
-                      </a:solidFill>
-                      <a:prstDash val="solid"/>
-                      <a:round/>
-                      <a:headEnd type="none" w="med" len="med"/>
-                      <a:tailEnd type="none" w="med" len="med"/>
-                    </a:lnR>
-                    <a:lnT w="12700" cap="flat" cmpd="sng" algn="ctr">
-                      <a:solidFill>
-                        <a:srgbClr val="FFFFFF"/>
-                      </a:solidFill>
-                      <a:prstDash val="solid"/>
-                      <a:round/>
-                      <a:headEnd type="none" w="med" len="med"/>
-                      <a:tailEnd type="none" w="med" len="med"/>
-                    </a:lnT>
-                    <a:lnB w="12700" cap="flat" cmpd="sng" algn="ctr">
-                      <a:solidFill>
-                        <a:srgbClr val="FFFFFF"/>
-                      </a:solidFill>
-                      <a:prstDash val="solid"/>
-                      <a:round/>
-                      <a:headEnd type="none" w="med" len="med"/>
-                      <a:tailEnd type="none" w="med" len="med"/>
-                    </a:lnB>
-                    <a:solidFill>
-                      <a:schemeClr val="accent5"/>
-                    </a:solidFill>
-                  </a:tcPr>
-                </a:tc>
-                <a:tc>
-                  <a:txBody>
-                    <a:bodyPr/>
-                    <a:lstStyle/>
-                    <a:p>
-                      <a:r>
-                        <a:rPr lang="en-US" sz="1000" dirty="0">
-                          <a:latin typeface="Arial Unicode MS" panose="020B0604020202020204" pitchFamily="34" charset="-128"/>
-                        </a:rPr>
-                        <a:t>0</a:t>
-                      </a:r>
-                    </a:p>
-                  </a:txBody>
-                  <a:tcPr>
-                    <a:lnL w="12700" cap="flat" cmpd="sng" algn="ctr">
-                      <a:solidFill>
-                        <a:srgbClr val="FFFFFF"/>
-                      </a:solidFill>
-                      <a:prstDash val="solid"/>
-                      <a:round/>
-                      <a:headEnd type="none" w="med" len="med"/>
-                      <a:tailEnd type="none" w="med" len="med"/>
-                    </a:lnL>
-                    <a:lnR w="12700" cap="flat" cmpd="sng" algn="ctr">
-                      <a:solidFill>
-                        <a:srgbClr val="FFFFFF"/>
-                      </a:solidFill>
-                      <a:prstDash val="solid"/>
-                      <a:round/>
-                      <a:headEnd type="none" w="med" len="med"/>
-                      <a:tailEnd type="none" w="med" len="med"/>
-                    </a:lnR>
-                    <a:lnT w="12700" cap="flat" cmpd="sng" algn="ctr">
-                      <a:solidFill>
-                        <a:srgbClr val="FFFFFF"/>
-                      </a:solidFill>
-                      <a:prstDash val="solid"/>
-                      <a:round/>
-                      <a:headEnd type="none" w="med" len="med"/>
-                      <a:tailEnd type="none" w="med" len="med"/>
-                    </a:lnT>
-                    <a:lnB w="12700" cap="flat" cmpd="sng" algn="ctr">
-                      <a:solidFill>
-                        <a:srgbClr val="FFFFFF"/>
-                      </a:solidFill>
-                      <a:prstDash val="solid"/>
-                      <a:round/>
-                      <a:headEnd type="none" w="med" len="med"/>
-                      <a:tailEnd type="none" w="med" len="med"/>
-                    </a:lnB>
-                    <a:solidFill>
-                      <a:schemeClr val="accent5"/>
-                    </a:solidFill>
-                  </a:tcPr>
-                </a:tc>
-                <a:extLst>
-                  <a:ext uri="{0D108BD9-81ED-4DB2-BD59-A6C34878D82A}">
-                    <a16:rowId xmlns:a16="http://schemas.microsoft.com/office/drawing/2014/main" val="10005"/>
-                  </a:ext>
-                </a:extLst>
-              </a:tr>
-            </a:tbl>
-          </a:graphicData>
-        </a:graphic>
-      </p:graphicFrame>
-      <p:sp>
-        <p:nvSpPr>
-          <p:cNvPr id="16" name="Rectangle 15">
-            <a:extLst>
-              <a:ext uri="{FF2B5EF4-FFF2-40B4-BE49-F238E27FC236}">
-                <a16:creationId xmlns:a16="http://schemas.microsoft.com/office/drawing/2014/main" id="{DE8506CF-AECA-4CC7-B5EC-4CA9F1E0F568}"/>
-              </a:ext>
-            </a:extLst>
-          </p:cNvPr>
-          <p:cNvSpPr/>
-          <p:nvPr/>
-        </p:nvSpPr>
-        <p:spPr>
-          <a:xfrm>
-            <a:off x="365758" y="1237369"/>
-            <a:ext cx="4434840" cy="365760"/>
-          </a:xfrm>
-          <a:prstGeom prst="rect">
-            <a:avLst/>
-          </a:prstGeom>
-          <a:solidFill>
-            <a:schemeClr val="accent3"/>
-          </a:solidFill>
-          <a:ln w="9525">
-            <a:solidFill>
-              <a:schemeClr val="accent3"/>
-            </a:solidFill>
-          </a:ln>
-        </p:spPr>
-        <p:style>
-          <a:lnRef idx="2">
-            <a:schemeClr val="accent1">
-              <a:shade val="50000"/>
-            </a:schemeClr>
-          </a:lnRef>
-          <a:fillRef idx="1">
-            <a:schemeClr val="accent1"/>
-          </a:fillRef>
-          <a:effectRef idx="0">
-            <a:schemeClr val="accent1"/>
-          </a:effectRef>
-          <a:fontRef idx="minor">
-            <a:schemeClr val="lt1"/>
-          </a:fontRef>
-        </p:style>
-        <p:txBody>
-          <a:bodyPr lIns="88900" tIns="88900" rIns="88900" bIns="88900" rtlCol="0" anchor="ctr"/>
-          <a:lstStyle/>
-          <a:p>
-            <a:r>
-              <a:rPr lang="en-US" sz="1200" b="1" dirty="0">
-                <a:solidFill>
-                  <a:schemeClr val="bg1"/>
-                </a:solidFill>
-              </a:rPr>
-              <a:t>Term Document Matrix</a:t>
-            </a:r>
-          </a:p>
-        </p:txBody>
-      </p:sp>
-      <p:graphicFrame>
-        <p:nvGraphicFramePr>
           <p:cNvPr id="17" name="Table 16">
             <a:extLst>
               <a:ext uri="{FF2B5EF4-FFF2-40B4-BE49-F238E27FC236}">
@@ -9886,13 +7126,13 @@
           <p:nvPr>
             <p:extLst>
               <p:ext uri="{D42A27DB-BD31-4B8C-83A1-F6EECF244321}">
-                <p14:modId xmlns:p14="http://schemas.microsoft.com/office/powerpoint/2010/main" val="1977469835"/>
+                <p14:modId xmlns:p14="http://schemas.microsoft.com/office/powerpoint/2010/main" val="2128243640"/>
               </p:ext>
             </p:extLst>
           </p:nvPr>
         </p:nvGraphicFramePr>
         <p:xfrm>
-          <a:off x="5193746" y="1630150"/>
+          <a:off x="365759" y="1681805"/>
           <a:ext cx="3513457" cy="2225040"/>
         </p:xfrm>
         <a:graphic>
@@ -10976,7 +8216,7 @@
         </p:nvSpPr>
         <p:spPr>
           <a:xfrm>
-            <a:off x="5193746" y="1249919"/>
+            <a:off x="365759" y="1301574"/>
             <a:ext cx="3513457" cy="365760"/>
           </a:xfrm>
           <a:prstGeom prst="rect">
@@ -11221,7 +8461,7 @@
                                           </p:stCondLst>
                                         </p:cTn>
                                         <p:tgtEl>
-                                          <p:spTgt spid="15"/>
+                                          <p:spTgt spid="17"/>
                                         </p:tgtEl>
                                         <p:attrNameLst>
                                           <p:attrName>style.visibility</p:attrName>
@@ -11248,7 +8488,7 @@
                                           </p:stCondLst>
                                         </p:cTn>
                                         <p:tgtEl>
-                                          <p:spTgt spid="16"/>
+                                          <p:spTgt spid="18"/>
                                         </p:tgtEl>
                                         <p:attrNameLst>
                                           <p:attrName>style.visibility</p:attrName>
@@ -11280,7 +8520,7 @@
                             </p:stCondLst>
                             <p:childTnLst>
                               <p:par>
-                                <p:cTn id="11" presetID="1" presetClass="entr" presetSubtype="0" fill="hold" nodeType="clickEffect">
+                                <p:cTn id="11" presetID="1" presetClass="entr" presetSubtype="0" fill="hold" grpId="0" nodeType="clickEffect">
                                   <p:stCondLst>
                                     <p:cond delay="0"/>
                                   </p:stCondLst>
@@ -11293,7 +8533,7 @@
                                           </p:stCondLst>
                                         </p:cTn>
                                         <p:tgtEl>
-                                          <p:spTgt spid="17"/>
+                                          <p:spTgt spid="10"/>
                                         </p:tgtEl>
                                         <p:attrNameLst>
                                           <p:attrName>style.visibility</p:attrName>
@@ -11320,7 +8560,7 @@
                                           </p:stCondLst>
                                         </p:cTn>
                                         <p:tgtEl>
-                                          <p:spTgt spid="18"/>
+                                          <p:spTgt spid="12"/>
                                         </p:tgtEl>
                                         <p:attrNameLst>
                                           <p:attrName>style.visibility</p:attrName>
@@ -11365,7 +8605,7 @@
                                           </p:stCondLst>
                                         </p:cTn>
                                         <p:tgtEl>
-                                          <p:spTgt spid="10"/>
+                                          <p:spTgt spid="19"/>
                                         </p:tgtEl>
                                         <p:attrNameLst>
                                           <p:attrName>style.visibility</p:attrName>
@@ -11392,78 +8632,6 @@
                                           </p:stCondLst>
                                         </p:cTn>
                                         <p:tgtEl>
-                                          <p:spTgt spid="12"/>
-                                        </p:tgtEl>
-                                        <p:attrNameLst>
-                                          <p:attrName>style.visibility</p:attrName>
-                                        </p:attrNameLst>
-                                      </p:cBhvr>
-                                      <p:to>
-                                        <p:strVal val="visible"/>
-                                      </p:to>
-                                    </p:set>
-                                  </p:childTnLst>
-                                </p:cTn>
-                              </p:par>
-                            </p:childTnLst>
-                          </p:cTn>
-                        </p:par>
-                      </p:childTnLst>
-                    </p:cTn>
-                  </p:par>
-                  <p:par>
-                    <p:cTn id="21" fill="hold">
-                      <p:stCondLst>
-                        <p:cond delay="indefinite"/>
-                      </p:stCondLst>
-                      <p:childTnLst>
-                        <p:par>
-                          <p:cTn id="22" fill="hold">
-                            <p:stCondLst>
-                              <p:cond delay="0"/>
-                            </p:stCondLst>
-                            <p:childTnLst>
-                              <p:par>
-                                <p:cTn id="23" presetID="1" presetClass="entr" presetSubtype="0" fill="hold" grpId="0" nodeType="clickEffect">
-                                  <p:stCondLst>
-                                    <p:cond delay="0"/>
-                                  </p:stCondLst>
-                                  <p:childTnLst>
-                                    <p:set>
-                                      <p:cBhvr>
-                                        <p:cTn id="24" dur="1" fill="hold">
-                                          <p:stCondLst>
-                                            <p:cond delay="0"/>
-                                          </p:stCondLst>
-                                        </p:cTn>
-                                        <p:tgtEl>
-                                          <p:spTgt spid="19"/>
-                                        </p:tgtEl>
-                                        <p:attrNameLst>
-                                          <p:attrName>style.visibility</p:attrName>
-                                        </p:attrNameLst>
-                                      </p:cBhvr>
-                                      <p:to>
-                                        <p:strVal val="visible"/>
-                                      </p:to>
-                                    </p:set>
-                                  </p:childTnLst>
-                                </p:cTn>
-                              </p:par>
-                              <p:par>
-                                <p:cTn id="25" presetID="1" presetClass="entr" presetSubtype="0" fill="hold" grpId="0" nodeType="withEffect">
-                                  <p:stCondLst>
-                                    <p:cond delay="0"/>
-                                  </p:stCondLst>
-                                  <p:childTnLst>
-                                    <p:set>
-                                      <p:cBhvr>
-                                        <p:cTn id="26" dur="1" fill="hold">
-                                          <p:stCondLst>
-                                            <p:cond delay="0"/>
-                                          </p:stCondLst>
-                                        </p:cTn>
-                                        <p:tgtEl>
                                           <p:spTgt spid="20"/>
                                         </p:tgtEl>
                                         <p:attrNameLst>
@@ -11478,14 +8646,14 @@
                                 </p:cTn>
                               </p:par>
                               <p:par>
-                                <p:cTn id="27" presetID="1" presetClass="entr" presetSubtype="0" fill="hold" grpId="0" nodeType="withEffect">
+                                <p:cTn id="21" presetID="1" presetClass="entr" presetSubtype="0" fill="hold" grpId="0" nodeType="withEffect">
                                   <p:stCondLst>
                                     <p:cond delay="0"/>
                                   </p:stCondLst>
                                   <p:childTnLst>
                                     <p:set>
                                       <p:cBhvr>
-                                        <p:cTn id="28" dur="1" fill="hold">
+                                        <p:cTn id="22" dur="1" fill="hold">
                                           <p:stCondLst>
                                             <p:cond delay="0"/>
                                           </p:stCondLst>
@@ -11511,26 +8679,26 @@
                     </p:cTn>
                   </p:par>
                   <p:par>
-                    <p:cTn id="29" fill="hold">
+                    <p:cTn id="23" fill="hold">
                       <p:stCondLst>
                         <p:cond delay="indefinite"/>
                       </p:stCondLst>
                       <p:childTnLst>
                         <p:par>
-                          <p:cTn id="30" fill="hold">
+                          <p:cTn id="24" fill="hold">
                             <p:stCondLst>
                               <p:cond delay="0"/>
                             </p:stCondLst>
                             <p:childTnLst>
                               <p:par>
-                                <p:cTn id="31" presetID="1" presetClass="entr" presetSubtype="0" fill="hold" grpId="0" nodeType="clickEffect">
+                                <p:cTn id="25" presetID="1" presetClass="entr" presetSubtype="0" fill="hold" grpId="0" nodeType="clickEffect">
                                   <p:stCondLst>
                                     <p:cond delay="0"/>
                                   </p:stCondLst>
                                   <p:childTnLst>
                                     <p:set>
                                       <p:cBhvr>
-                                        <p:cTn id="32" dur="1" fill="hold">
+                                        <p:cTn id="26" dur="1" fill="hold">
                                           <p:stCondLst>
                                             <p:cond delay="0"/>
                                           </p:stCondLst>
@@ -11580,7 +8748,6 @@
       <p:bldP spid="10" grpId="0" animBg="1"/>
       <p:bldP spid="12" grpId="0" animBg="1"/>
       <p:bldP spid="14" grpId="0" animBg="1"/>
-      <p:bldP spid="16" grpId="0" animBg="1"/>
       <p:bldP spid="18" grpId="0" animBg="1"/>
       <p:bldP spid="19" grpId="0" animBg="1"/>
       <p:bldP spid="20" grpId="0" animBg="1"/>
@@ -11609,7 +8776,7 @@
       </p:grpSpPr>
       <p:sp>
         <p:nvSpPr>
-          <p:cNvPr id="7" name="Date Placeholder 1"/>
+          <p:cNvPr id="2" name="Date Placeholder 1"/>
           <p:cNvSpPr>
             <a:spLocks noGrp="1"/>
           </p:cNvSpPr>
@@ -11617,19 +8784,14 @@
             <p:ph type="dt" sz="half" idx="10"/>
           </p:nvPr>
         </p:nvSpPr>
-        <p:spPr>
-          <a:xfrm>
-            <a:off x="628650" y="6327775"/>
-            <a:ext cx="2057400" cy="365125"/>
-          </a:xfrm>
-        </p:spPr>
+        <p:spPr/>
         <p:txBody>
           <a:bodyPr/>
           <a:lstStyle/>
           <a:p>
             <a:fld id="{6700A58B-DD98-43D0-B791-721480A02982}" type="datetime1">
               <a:rPr lang="en-US" smtClean="0"/>
-              <a:t>11/21/22</a:t>
+              <a:t>11/25/24</a:t>
             </a:fld>
             <a:endParaRPr lang="en-US"/>
           </a:p>
@@ -11637,18 +8799,18 @@
       </p:sp>
       <p:sp>
         <p:nvSpPr>
-          <p:cNvPr id="9" name="Slide Number Placeholder 3"/>
-          <p:cNvSpPr>
-            <a:spLocks noGrp="1"/>
-          </p:cNvSpPr>
-          <p:nvPr>
-            <p:ph type="sldNum" sz="quarter" idx="12"/>
+          <p:cNvPr id="3" name="Title 2"/>
+          <p:cNvSpPr>
+            <a:spLocks noGrp="1"/>
+          </p:cNvSpPr>
+          <p:nvPr>
+            <p:ph type="title"/>
           </p:nvPr>
         </p:nvSpPr>
         <p:spPr>
           <a:xfrm>
-            <a:off x="6457950" y="6356351"/>
-            <a:ext cx="857250" cy="365125"/>
+            <a:off x="628650" y="318234"/>
+            <a:ext cx="7886700" cy="591477"/>
           </a:xfrm>
         </p:spPr>
         <p:txBody>
@@ -11657,524 +8819,37 @@
           <a:p>
             <a:r>
               <a:rPr lang="en-US" dirty="0"/>
-              <a:t>14</a:t>
-            </a:r>
-          </a:p>
-        </p:txBody>
-      </p:sp>
-      <p:sp>
-        <p:nvSpPr>
-          <p:cNvPr id="14" name="Footer Placeholder 5">
-            <a:extLst>
-              <a:ext uri="{FF2B5EF4-FFF2-40B4-BE49-F238E27FC236}">
-                <a16:creationId xmlns:a16="http://schemas.microsoft.com/office/drawing/2014/main" id="{7CF42E13-F741-47C0-ABF2-930A6A838440}"/>
-              </a:ext>
-            </a:extLst>
-          </p:cNvPr>
-          <p:cNvSpPr>
-            <a:spLocks noGrp="1"/>
-          </p:cNvSpPr>
-          <p:nvPr>
-            <p:ph type="ftr" sz="quarter" idx="3"/>
-          </p:nvPr>
-        </p:nvSpPr>
-        <p:spPr>
-          <a:xfrm>
-            <a:off x="3028950" y="6356351"/>
-            <a:ext cx="3086100" cy="365125"/>
-          </a:xfrm>
-        </p:spPr>
+              <a:t>Let’s </a:t>
+            </a:r>
+            <a:r>
+              <a:rPr lang="en-US" strike="sngStrike" dirty="0"/>
+              <a:t>Practice </a:t>
+            </a:r>
+            <a:r>
+              <a:rPr lang="en-US" dirty="0"/>
+              <a:t>Review!</a:t>
+            </a:r>
+          </a:p>
+        </p:txBody>
+      </p:sp>
+      <p:sp>
+        <p:nvSpPr>
+          <p:cNvPr id="4" name="Slide Number Placeholder 3"/>
+          <p:cNvSpPr>
+            <a:spLocks noGrp="1"/>
+          </p:cNvSpPr>
+          <p:nvPr>
+            <p:ph type="sldNum" sz="quarter" idx="12"/>
+          </p:nvPr>
+        </p:nvSpPr>
+        <p:spPr/>
         <p:txBody>
           <a:bodyPr/>
           <a:lstStyle/>
           <a:p>
-            <a:r>
-              <a:rPr lang="en-US" dirty="0"/>
-              <a:t>Kwartler CSCI -96</a:t>
-            </a:r>
-          </a:p>
-        </p:txBody>
-      </p:sp>
-      <p:sp>
-        <p:nvSpPr>
-          <p:cNvPr id="15" name="Title 1">
-            <a:extLst>
-              <a:ext uri="{FF2B5EF4-FFF2-40B4-BE49-F238E27FC236}">
-                <a16:creationId xmlns:a16="http://schemas.microsoft.com/office/drawing/2014/main" id="{B0DD9A6B-56F5-F84A-918D-AB596D61E5DC}"/>
-              </a:ext>
-            </a:extLst>
-          </p:cNvPr>
-          <p:cNvSpPr>
-            <a:spLocks noGrp="1"/>
-          </p:cNvSpPr>
-          <p:nvPr>
-            <p:ph type="title"/>
-          </p:nvPr>
-        </p:nvSpPr>
-        <p:spPr>
-          <a:xfrm>
-            <a:off x="0" y="365126"/>
-            <a:ext cx="9144000" cy="591477"/>
-          </a:xfrm>
-        </p:spPr>
-        <p:txBody>
-          <a:bodyPr/>
-          <a:lstStyle/>
-          <a:p>
-            <a:r>
-              <a:rPr lang="en-US" dirty="0"/>
-              <a:t>A safe/supportive learning environment</a:t>
-            </a:r>
-          </a:p>
-        </p:txBody>
-      </p:sp>
-      <p:sp>
-        <p:nvSpPr>
-          <p:cNvPr id="16" name="Content Placeholder 2">
-            <a:extLst>
-              <a:ext uri="{FF2B5EF4-FFF2-40B4-BE49-F238E27FC236}">
-                <a16:creationId xmlns:a16="http://schemas.microsoft.com/office/drawing/2014/main" id="{8BBFF8D1-D9A4-864C-96AF-1F16EC9B819D}"/>
-              </a:ext>
-            </a:extLst>
-          </p:cNvPr>
-          <p:cNvSpPr txBox="1">
-            <a:spLocks/>
-          </p:cNvSpPr>
-          <p:nvPr/>
-        </p:nvSpPr>
-        <p:spPr>
-          <a:xfrm>
-            <a:off x="228600" y="1219200"/>
-            <a:ext cx="8686800" cy="4906963"/>
-          </a:xfrm>
-          <a:prstGeom prst="rect">
-            <a:avLst/>
-          </a:prstGeom>
-        </p:spPr>
-        <p:txBody>
-          <a:bodyPr/>
-          <a:lstStyle>
-            <a:lvl1pPr marL="342900" indent="-342900" algn="l" defTabSz="457200" rtl="0" eaLnBrk="1" latinLnBrk="0" hangingPunct="1">
-              <a:spcBef>
-                <a:spcPct val="20000"/>
-              </a:spcBef>
-              <a:buFont typeface="Arial"/>
-              <a:buChar char="•"/>
-              <a:defRPr sz="3200" b="0" i="0" kern="1200">
-                <a:solidFill>
-                  <a:schemeClr val="tx1"/>
-                </a:solidFill>
-                <a:latin typeface="Avenir Light"/>
-                <a:ea typeface="+mn-ea"/>
-                <a:cs typeface="Avenir Light"/>
-              </a:defRPr>
-            </a:lvl1pPr>
-            <a:lvl2pPr marL="742950" indent="-285750" algn="l" defTabSz="457200" rtl="0" eaLnBrk="1" latinLnBrk="0" hangingPunct="1">
-              <a:spcBef>
-                <a:spcPct val="20000"/>
-              </a:spcBef>
-              <a:buFont typeface="Arial"/>
-              <a:buChar char="–"/>
-              <a:defRPr sz="2800" b="0" i="0" kern="1200">
-                <a:solidFill>
-                  <a:schemeClr val="tx1"/>
-                </a:solidFill>
-                <a:latin typeface="Avenir Light"/>
-                <a:ea typeface="+mn-ea"/>
-                <a:cs typeface="Avenir Light"/>
-              </a:defRPr>
-            </a:lvl2pPr>
-            <a:lvl3pPr marL="1143000" indent="-228600" algn="l" defTabSz="457200" rtl="0" eaLnBrk="1" latinLnBrk="0" hangingPunct="1">
-              <a:spcBef>
-                <a:spcPct val="20000"/>
-              </a:spcBef>
-              <a:buFont typeface="Arial"/>
-              <a:buChar char="•"/>
-              <a:defRPr sz="2400" b="0" i="0" kern="1200">
-                <a:solidFill>
-                  <a:schemeClr val="tx1"/>
-                </a:solidFill>
-                <a:latin typeface="Avenir Light"/>
-                <a:ea typeface="+mn-ea"/>
-                <a:cs typeface="Avenir Light"/>
-              </a:defRPr>
-            </a:lvl3pPr>
-            <a:lvl4pPr marL="1600200" indent="-228600" algn="l" defTabSz="457200" rtl="0" eaLnBrk="1" latinLnBrk="0" hangingPunct="1">
-              <a:spcBef>
-                <a:spcPct val="20000"/>
-              </a:spcBef>
-              <a:buFont typeface="Arial"/>
-              <a:buChar char="–"/>
-              <a:defRPr sz="2000" b="0" i="0" kern="1200">
-                <a:solidFill>
-                  <a:schemeClr val="tx1"/>
-                </a:solidFill>
-                <a:latin typeface="Avenir Light"/>
-                <a:ea typeface="+mn-ea"/>
-                <a:cs typeface="Avenir Light"/>
-              </a:defRPr>
-            </a:lvl4pPr>
-            <a:lvl5pPr marL="2057400" indent="-228600" algn="l" defTabSz="457200" rtl="0" eaLnBrk="1" latinLnBrk="0" hangingPunct="1">
-              <a:spcBef>
-                <a:spcPct val="20000"/>
-              </a:spcBef>
-              <a:buFont typeface="Arial"/>
-              <a:buChar char="»"/>
-              <a:defRPr sz="2000" b="0" i="0" kern="1200">
-                <a:solidFill>
-                  <a:schemeClr val="tx1"/>
-                </a:solidFill>
-                <a:latin typeface="Avenir Light"/>
-                <a:ea typeface="+mn-ea"/>
-                <a:cs typeface="Avenir Light"/>
-              </a:defRPr>
-            </a:lvl5pPr>
-            <a:lvl6pPr marL="2514600" indent="-228600" algn="l" defTabSz="457200" rtl="0" eaLnBrk="1" latinLnBrk="0" hangingPunct="1">
-              <a:spcBef>
-                <a:spcPct val="20000"/>
-              </a:spcBef>
-              <a:buFont typeface="Arial"/>
-              <a:buChar char="•"/>
-              <a:defRPr sz="2000" kern="1200">
-                <a:solidFill>
-                  <a:schemeClr val="tx1"/>
-                </a:solidFill>
-                <a:latin typeface="+mn-lt"/>
-                <a:ea typeface="+mn-ea"/>
-                <a:cs typeface="+mn-cs"/>
-              </a:defRPr>
-            </a:lvl6pPr>
-            <a:lvl7pPr marL="2971800" indent="-228600" algn="l" defTabSz="457200" rtl="0" eaLnBrk="1" latinLnBrk="0" hangingPunct="1">
-              <a:spcBef>
-                <a:spcPct val="20000"/>
-              </a:spcBef>
-              <a:buFont typeface="Arial"/>
-              <a:buChar char="•"/>
-              <a:defRPr sz="2000" kern="1200">
-                <a:solidFill>
-                  <a:schemeClr val="tx1"/>
-                </a:solidFill>
-                <a:latin typeface="+mn-lt"/>
-                <a:ea typeface="+mn-ea"/>
-                <a:cs typeface="+mn-cs"/>
-              </a:defRPr>
-            </a:lvl7pPr>
-            <a:lvl8pPr marL="3429000" indent="-228600" algn="l" defTabSz="457200" rtl="0" eaLnBrk="1" latinLnBrk="0" hangingPunct="1">
-              <a:spcBef>
-                <a:spcPct val="20000"/>
-              </a:spcBef>
-              <a:buFont typeface="Arial"/>
-              <a:buChar char="•"/>
-              <a:defRPr sz="2000" kern="1200">
-                <a:solidFill>
-                  <a:schemeClr val="tx1"/>
-                </a:solidFill>
-                <a:latin typeface="+mn-lt"/>
-                <a:ea typeface="+mn-ea"/>
-                <a:cs typeface="+mn-cs"/>
-              </a:defRPr>
-            </a:lvl8pPr>
-            <a:lvl9pPr marL="3886200" indent="-228600" algn="l" defTabSz="457200" rtl="0" eaLnBrk="1" latinLnBrk="0" hangingPunct="1">
-              <a:spcBef>
-                <a:spcPct val="20000"/>
-              </a:spcBef>
-              <a:buFont typeface="Arial"/>
-              <a:buChar char="•"/>
-              <a:defRPr sz="2000" kern="1200">
-                <a:solidFill>
-                  <a:schemeClr val="tx1"/>
-                </a:solidFill>
-                <a:latin typeface="+mn-lt"/>
-                <a:ea typeface="+mn-ea"/>
-                <a:cs typeface="+mn-cs"/>
-              </a:defRPr>
-            </a:lvl9pPr>
-          </a:lstStyle>
-          <a:p>
-            <a:r>
-              <a:rPr lang="en-US" sz="2800" dirty="0">
-                <a:solidFill>
-                  <a:prstClr val="black"/>
-                </a:solidFill>
-                <a:latin typeface="+mj-lt"/>
-                <a:cs typeface="Arial Unicode MS" panose="020B0604020202020204" pitchFamily="34" charset="-128"/>
-              </a:rPr>
-              <a:t>This text has never been read.  “Keyboard Courage” is rampant which may entail some less than ideal topics.</a:t>
-            </a:r>
-          </a:p>
-          <a:p>
-            <a:pPr lvl="1"/>
-            <a:r>
-              <a:rPr lang="en-US" sz="2000" dirty="0">
-                <a:solidFill>
-                  <a:prstClr val="black"/>
-                </a:solidFill>
-                <a:latin typeface="+mj-lt"/>
-                <a:cs typeface="Arial Unicode MS" panose="020B0604020202020204" pitchFamily="34" charset="-128"/>
-              </a:rPr>
-              <a:t>Twitter is a realistic Natural Language Channel</a:t>
-            </a:r>
-          </a:p>
-          <a:p>
-            <a:pPr lvl="1"/>
-            <a:r>
-              <a:rPr lang="en-US" sz="2000" dirty="0">
-                <a:solidFill>
-                  <a:prstClr val="black"/>
-                </a:solidFill>
-                <a:latin typeface="+mj-lt"/>
-                <a:cs typeface="Arial Unicode MS" panose="020B0604020202020204" pitchFamily="34" charset="-128"/>
-              </a:rPr>
-              <a:t>It is a great place to get topics, and messy challenging data.</a:t>
-            </a:r>
-          </a:p>
-          <a:p>
-            <a:pPr lvl="1"/>
-            <a:r>
-              <a:rPr lang="en-US" sz="2000" dirty="0">
-                <a:solidFill>
-                  <a:prstClr val="black"/>
-                </a:solidFill>
-                <a:latin typeface="+mj-lt"/>
-                <a:cs typeface="Arial Unicode MS" panose="020B0604020202020204" pitchFamily="34" charset="-128"/>
-              </a:rPr>
-              <a:t>As a safe learning environment, no offense is intended, merely exposure to a real data set.  If offended, please reach out and I will get you additional data sets.</a:t>
-            </a:r>
-          </a:p>
-          <a:p>
-            <a:pPr marL="0" indent="0">
-              <a:buFont typeface="Arial"/>
-              <a:buNone/>
-            </a:pPr>
-            <a:endParaRPr lang="en-US" sz="2800" dirty="0">
-              <a:solidFill>
-                <a:prstClr val="black"/>
-              </a:solidFill>
-              <a:latin typeface="+mj-lt"/>
-              <a:cs typeface="Arial Unicode MS" panose="020B0604020202020204" pitchFamily="34" charset="-128"/>
-            </a:endParaRPr>
-          </a:p>
-        </p:txBody>
-      </p:sp>
-      <p:grpSp>
-        <p:nvGrpSpPr>
-          <p:cNvPr id="17" name="Group 16">
-            <a:extLst>
-              <a:ext uri="{FF2B5EF4-FFF2-40B4-BE49-F238E27FC236}">
-                <a16:creationId xmlns:a16="http://schemas.microsoft.com/office/drawing/2014/main" id="{0CFDE04B-3080-5A48-8C1F-D1360AAEC3EC}"/>
-              </a:ext>
-            </a:extLst>
-          </p:cNvPr>
-          <p:cNvGrpSpPr/>
-          <p:nvPr/>
-        </p:nvGrpSpPr>
-        <p:grpSpPr>
-          <a:xfrm>
-            <a:off x="2581325" y="4040577"/>
-            <a:ext cx="3981350" cy="1954320"/>
-            <a:chOff x="1969548" y="3881549"/>
-            <a:chExt cx="3981350" cy="1954320"/>
-          </a:xfrm>
-        </p:grpSpPr>
-        <p:pic>
-          <p:nvPicPr>
-            <p:cNvPr id="18" name="Picture 17">
-              <a:extLst>
-                <a:ext uri="{FF2B5EF4-FFF2-40B4-BE49-F238E27FC236}">
-                  <a16:creationId xmlns:a16="http://schemas.microsoft.com/office/drawing/2014/main" id="{82CC7484-76FB-FA4C-BB26-5ECBCBA8A3EC}"/>
-                </a:ext>
-              </a:extLst>
-            </p:cNvPr>
-            <p:cNvPicPr>
-              <a:picLocks noChangeAspect="1"/>
-            </p:cNvPicPr>
-            <p:nvPr/>
-          </p:nvPicPr>
-          <p:blipFill>
-            <a:blip r:embed="rId2"/>
-            <a:stretch>
-              <a:fillRect/>
-            </a:stretch>
-          </p:blipFill>
-          <p:spPr>
-            <a:xfrm>
-              <a:off x="1969548" y="4794863"/>
-              <a:ext cx="1280448" cy="1041006"/>
-            </a:xfrm>
-            <a:prstGeom prst="rect">
-              <a:avLst/>
-            </a:prstGeom>
-          </p:spPr>
-        </p:pic>
-        <p:sp>
-          <p:nvSpPr>
-            <p:cNvPr id="19" name="Oval Callout 18">
-              <a:extLst>
-                <a:ext uri="{FF2B5EF4-FFF2-40B4-BE49-F238E27FC236}">
-                  <a16:creationId xmlns:a16="http://schemas.microsoft.com/office/drawing/2014/main" id="{9B2CE8FD-6402-B241-9EB0-E887C332EBB8}"/>
-                </a:ext>
-              </a:extLst>
-            </p:cNvPr>
-            <p:cNvSpPr/>
-            <p:nvPr/>
-          </p:nvSpPr>
-          <p:spPr>
-            <a:xfrm>
-              <a:off x="3933123" y="3881549"/>
-              <a:ext cx="2017775" cy="819324"/>
-            </a:xfrm>
-            <a:prstGeom prst="wedgeEllipseCallout">
-              <a:avLst>
-                <a:gd name="adj1" fmla="val -77686"/>
-                <a:gd name="adj2" fmla="val 70000"/>
-              </a:avLst>
-            </a:prstGeom>
-            <a:solidFill>
-              <a:srgbClr val="BA2D27"/>
-            </a:solidFill>
-            <a:ln>
-              <a:noFill/>
-            </a:ln>
-            <a:effectLst/>
-          </p:spPr>
-          <p:style>
-            <a:lnRef idx="1">
-              <a:schemeClr val="accent1"/>
-            </a:lnRef>
-            <a:fillRef idx="3">
-              <a:schemeClr val="accent1"/>
-            </a:fillRef>
-            <a:effectRef idx="2">
-              <a:schemeClr val="accent1"/>
-            </a:effectRef>
-            <a:fontRef idx="minor">
-              <a:schemeClr val="lt1"/>
-            </a:fontRef>
-          </p:style>
-          <p:txBody>
-            <a:bodyPr rtlCol="0" anchor="ctr"/>
-            <a:lstStyle/>
-            <a:p>
-              <a:pPr algn="ctr" defTabSz="457200"/>
-              <a:r>
-                <a:rPr lang="en-US" sz="1800" kern="1200" dirty="0">
-                  <a:solidFill>
-                    <a:prstClr val="white"/>
-                  </a:solidFill>
-                  <a:latin typeface="Arial Unicode MS" panose="020B0604020202020204" pitchFamily="34" charset="-128"/>
-                </a:rPr>
-                <a:t>#%@*!!!</a:t>
-              </a:r>
-            </a:p>
-          </p:txBody>
-        </p:sp>
-      </p:grpSp>
-    </p:spTree>
-    <p:extLst>
-      <p:ext uri="{BB962C8B-B14F-4D97-AF65-F5344CB8AC3E}">
-        <p14:creationId xmlns:p14="http://schemas.microsoft.com/office/powerpoint/2010/main" val="1829292903"/>
-      </p:ext>
-    </p:extLst>
-  </p:cSld>
-  <p:clrMapOvr>
-    <a:masterClrMapping/>
-  </p:clrMapOvr>
-</p:sld>
-</file>
-
-<file path=ppt/slides/slide9.xml><?xml version="1.0" encoding="utf-8"?>
-<p:sld xmlns:a="http://schemas.openxmlformats.org/drawingml/2006/main" xmlns:r="http://schemas.openxmlformats.org/officeDocument/2006/relationships" xmlns:p="http://schemas.openxmlformats.org/presentationml/2006/main">
-  <p:cSld>
-    <p:spTree>
-      <p:nvGrpSpPr>
-        <p:cNvPr id="1" name=""/>
-        <p:cNvGrpSpPr/>
-        <p:nvPr/>
-      </p:nvGrpSpPr>
-      <p:grpSpPr>
-        <a:xfrm>
-          <a:off x="0" y="0"/>
-          <a:ext cx="0" cy="0"/>
-          <a:chOff x="0" y="0"/>
-          <a:chExt cx="0" cy="0"/>
-        </a:xfrm>
-      </p:grpSpPr>
-      <p:sp>
-        <p:nvSpPr>
-          <p:cNvPr id="2" name="Date Placeholder 1"/>
-          <p:cNvSpPr>
-            <a:spLocks noGrp="1"/>
-          </p:cNvSpPr>
-          <p:nvPr>
-            <p:ph type="dt" sz="half" idx="10"/>
-          </p:nvPr>
-        </p:nvSpPr>
-        <p:spPr/>
-        <p:txBody>
-          <a:bodyPr/>
-          <a:lstStyle/>
-          <a:p>
-            <a:fld id="{6700A58B-DD98-43D0-B791-721480A02982}" type="datetime1">
-              <a:rPr lang="en-US" smtClean="0"/>
-              <a:t>11/21/22</a:t>
-            </a:fld>
-            <a:endParaRPr lang="en-US"/>
-          </a:p>
-        </p:txBody>
-      </p:sp>
-      <p:sp>
-        <p:nvSpPr>
-          <p:cNvPr id="3" name="Title 2"/>
-          <p:cNvSpPr>
-            <a:spLocks noGrp="1"/>
-          </p:cNvSpPr>
-          <p:nvPr>
-            <p:ph type="title"/>
-          </p:nvPr>
-        </p:nvSpPr>
-        <p:spPr>
-          <a:xfrm>
-            <a:off x="628650" y="318234"/>
-            <a:ext cx="7886700" cy="591477"/>
-          </a:xfrm>
-        </p:spPr>
-        <p:txBody>
-          <a:bodyPr/>
-          <a:lstStyle/>
-          <a:p>
-            <a:r>
-              <a:rPr lang="en-US" dirty="0"/>
-              <a:t>Let’s </a:t>
-            </a:r>
-            <a:r>
-              <a:rPr lang="en-US" strike="sngStrike" dirty="0"/>
-              <a:t>Practice </a:t>
-            </a:r>
-            <a:r>
-              <a:rPr lang="en-US" dirty="0"/>
-              <a:t>Review!</a:t>
-            </a:r>
-          </a:p>
-        </p:txBody>
-      </p:sp>
-      <p:sp>
-        <p:nvSpPr>
-          <p:cNvPr id="4" name="Slide Number Placeholder 3"/>
-          <p:cNvSpPr>
-            <a:spLocks noGrp="1"/>
-          </p:cNvSpPr>
-          <p:nvPr>
-            <p:ph type="sldNum" sz="quarter" idx="12"/>
-          </p:nvPr>
-        </p:nvSpPr>
-        <p:spPr/>
-        <p:txBody>
-          <a:bodyPr/>
-          <a:lstStyle/>
-          <a:p>
             <a:fld id="{37290FF7-652B-4475-AEAB-8B1A5D23AE09}" type="slidenum">
               <a:rPr lang="en-US" smtClean="0"/>
-              <a:t>9</a:t>
+              <a:t>8</a:t>
             </a:fld>
             <a:endParaRPr lang="en-US"/>
           </a:p>
@@ -12227,7 +8902,7 @@
           <a:p>
             <a:r>
               <a:rPr lang="en-US" dirty="0" err="1"/>
-              <a:t>A_text_organization.R</a:t>
+              <a:t>A_text_organization_REVIEW.R</a:t>
             </a:r>
             <a:endParaRPr lang="en-US" dirty="0"/>
           </a:p>
